--- a/graphics/pp_figures.pptx
+++ b/graphics/pp_figures.pptx
@@ -259,7 +259,7 @@
           <a:p>
             <a:fld id="{F5129A45-5DBA-C54E-9726-F79A501E80FC}" type="datetimeFigureOut">
               <a:rPr lang="en-US" smtClean="0"/>
-              <a:t>10/20/16</a:t>
+              <a:t>10/25/16</a:t>
             </a:fld>
             <a:endParaRPr lang="en-US"/>
           </a:p>
@@ -429,7 +429,7 @@
           <a:p>
             <a:fld id="{F5129A45-5DBA-C54E-9726-F79A501E80FC}" type="datetimeFigureOut">
               <a:rPr lang="en-US" smtClean="0"/>
-              <a:t>10/20/16</a:t>
+              <a:t>10/25/16</a:t>
             </a:fld>
             <a:endParaRPr lang="en-US"/>
           </a:p>
@@ -609,7 +609,7 @@
           <a:p>
             <a:fld id="{F5129A45-5DBA-C54E-9726-F79A501E80FC}" type="datetimeFigureOut">
               <a:rPr lang="en-US" smtClean="0"/>
-              <a:t>10/20/16</a:t>
+              <a:t>10/25/16</a:t>
             </a:fld>
             <a:endParaRPr lang="en-US"/>
           </a:p>
@@ -779,7 +779,7 @@
           <a:p>
             <a:fld id="{F5129A45-5DBA-C54E-9726-F79A501E80FC}" type="datetimeFigureOut">
               <a:rPr lang="en-US" smtClean="0"/>
-              <a:t>10/20/16</a:t>
+              <a:t>10/25/16</a:t>
             </a:fld>
             <a:endParaRPr lang="en-US"/>
           </a:p>
@@ -1025,7 +1025,7 @@
           <a:p>
             <a:fld id="{F5129A45-5DBA-C54E-9726-F79A501E80FC}" type="datetimeFigureOut">
               <a:rPr lang="en-US" smtClean="0"/>
-              <a:t>10/20/16</a:t>
+              <a:t>10/25/16</a:t>
             </a:fld>
             <a:endParaRPr lang="en-US"/>
           </a:p>
@@ -1257,7 +1257,7 @@
           <a:p>
             <a:fld id="{F5129A45-5DBA-C54E-9726-F79A501E80FC}" type="datetimeFigureOut">
               <a:rPr lang="en-US" smtClean="0"/>
-              <a:t>10/20/16</a:t>
+              <a:t>10/25/16</a:t>
             </a:fld>
             <a:endParaRPr lang="en-US"/>
           </a:p>
@@ -1624,7 +1624,7 @@
           <a:p>
             <a:fld id="{F5129A45-5DBA-C54E-9726-F79A501E80FC}" type="datetimeFigureOut">
               <a:rPr lang="en-US" smtClean="0"/>
-              <a:t>10/20/16</a:t>
+              <a:t>10/25/16</a:t>
             </a:fld>
             <a:endParaRPr lang="en-US"/>
           </a:p>
@@ -1742,7 +1742,7 @@
           <a:p>
             <a:fld id="{F5129A45-5DBA-C54E-9726-F79A501E80FC}" type="datetimeFigureOut">
               <a:rPr lang="en-US" smtClean="0"/>
-              <a:t>10/20/16</a:t>
+              <a:t>10/25/16</a:t>
             </a:fld>
             <a:endParaRPr lang="en-US"/>
           </a:p>
@@ -1837,7 +1837,7 @@
           <a:p>
             <a:fld id="{F5129A45-5DBA-C54E-9726-F79A501E80FC}" type="datetimeFigureOut">
               <a:rPr lang="en-US" smtClean="0"/>
-              <a:t>10/20/16</a:t>
+              <a:t>10/25/16</a:t>
             </a:fld>
             <a:endParaRPr lang="en-US"/>
           </a:p>
@@ -2114,7 +2114,7 @@
           <a:p>
             <a:fld id="{F5129A45-5DBA-C54E-9726-F79A501E80FC}" type="datetimeFigureOut">
               <a:rPr lang="en-US" smtClean="0"/>
-              <a:t>10/20/16</a:t>
+              <a:t>10/25/16</a:t>
             </a:fld>
             <a:endParaRPr lang="en-US"/>
           </a:p>
@@ -2367,7 +2367,7 @@
           <a:p>
             <a:fld id="{F5129A45-5DBA-C54E-9726-F79A501E80FC}" type="datetimeFigureOut">
               <a:rPr lang="en-US" smtClean="0"/>
-              <a:t>10/20/16</a:t>
+              <a:t>10/25/16</a:t>
             </a:fld>
             <a:endParaRPr lang="en-US"/>
           </a:p>
@@ -2580,7 +2580,7 @@
           <a:p>
             <a:fld id="{F5129A45-5DBA-C54E-9726-F79A501E80FC}" type="datetimeFigureOut">
               <a:rPr lang="en-US" smtClean="0"/>
-              <a:t>10/20/16</a:t>
+              <a:t>10/25/16</a:t>
             </a:fld>
             <a:endParaRPr lang="en-US"/>
           </a:p>
@@ -8861,6 +8861,1162 @@
           <a:chExt cx="0" cy="0"/>
         </a:xfrm>
       </p:grpSpPr>
+      <p:graphicFrame>
+        <p:nvGraphicFramePr>
+          <p:cNvPr id="2" name="Table 1"/>
+          <p:cNvGraphicFramePr>
+            <a:graphicFrameLocks noGrp="1"/>
+          </p:cNvGraphicFramePr>
+          <p:nvPr>
+            <p:extLst>
+              <p:ext uri="{D42A27DB-BD31-4B8C-83A1-F6EECF244321}">
+                <p14:modId xmlns:p14="http://schemas.microsoft.com/office/powerpoint/2010/main" val="993418116"/>
+              </p:ext>
+            </p:extLst>
+          </p:nvPr>
+        </p:nvGraphicFramePr>
+        <p:xfrm>
+          <a:off x="1066229" y="812133"/>
+          <a:ext cx="10080000" cy="1112520"/>
+        </p:xfrm>
+        <a:graphic>
+          <a:graphicData uri="http://schemas.openxmlformats.org/drawingml/2006/table">
+            <a:tbl>
+              <a:tblPr firstRow="1" bandRow="1">
+                <a:tableStyleId>{5C22544A-7EE6-4342-B048-85BDC9FD1C3A}</a:tableStyleId>
+              </a:tblPr>
+              <a:tblGrid>
+                <a:gridCol w="1680000"/>
+                <a:gridCol w="1680000"/>
+                <a:gridCol w="1680000"/>
+                <a:gridCol w="1680000"/>
+                <a:gridCol w="1680000"/>
+                <a:gridCol w="1680000"/>
+              </a:tblGrid>
+              <a:tr h="370840">
+                <a:tc>
+                  <a:txBody>
+                    <a:bodyPr/>
+                    <a:lstStyle/>
+                    <a:p>
+                      <a:pPr algn="ctr"/>
+                      <a:r>
+                        <a:rPr lang="en-US" sz="1800" dirty="0" smtClean="0">
+                          <a:latin typeface="Georgia" charset="0"/>
+                          <a:ea typeface="Georgia" charset="0"/>
+                          <a:cs typeface="Georgia" charset="0"/>
+                        </a:rPr>
+                        <a:t>id</a:t>
+                      </a:r>
+                      <a:endParaRPr lang="en-US" sz="1800" dirty="0">
+                        <a:latin typeface="Georgia" charset="0"/>
+                        <a:ea typeface="Georgia" charset="0"/>
+                        <a:cs typeface="Georgia" charset="0"/>
+                      </a:endParaRPr>
+                    </a:p>
+                  </a:txBody>
+                  <a:tcPr anchor="ctr"/>
+                </a:tc>
+                <a:tc>
+                  <a:txBody>
+                    <a:bodyPr/>
+                    <a:lstStyle/>
+                    <a:p>
+                      <a:pPr algn="ctr"/>
+                      <a:r>
+                        <a:rPr lang="en-US" sz="1800" dirty="0" smtClean="0">
+                          <a:latin typeface="Georgia" charset="0"/>
+                          <a:ea typeface="Georgia" charset="0"/>
+                          <a:cs typeface="Georgia" charset="0"/>
+                        </a:rPr>
+                        <a:t>gender</a:t>
+                      </a:r>
+                      <a:endParaRPr lang="en-US" sz="1800" dirty="0">
+                        <a:latin typeface="Georgia" charset="0"/>
+                        <a:ea typeface="Georgia" charset="0"/>
+                        <a:cs typeface="Georgia" charset="0"/>
+                      </a:endParaRPr>
+                    </a:p>
+                  </a:txBody>
+                  <a:tcPr anchor="ctr"/>
+                </a:tc>
+                <a:tc>
+                  <a:txBody>
+                    <a:bodyPr/>
+                    <a:lstStyle/>
+                    <a:p>
+                      <a:pPr algn="ctr"/>
+                      <a:r>
+                        <a:rPr lang="en-US" sz="1800" dirty="0" err="1" smtClean="0">
+                          <a:latin typeface="Georgia" charset="0"/>
+                          <a:ea typeface="Georgia" charset="0"/>
+                          <a:cs typeface="Georgia" charset="0"/>
+                        </a:rPr>
+                        <a:t>zipcode</a:t>
+                      </a:r>
+                      <a:endParaRPr lang="en-US" sz="1800" dirty="0">
+                        <a:latin typeface="Georgia" charset="0"/>
+                        <a:ea typeface="Georgia" charset="0"/>
+                        <a:cs typeface="Georgia" charset="0"/>
+                      </a:endParaRPr>
+                    </a:p>
+                  </a:txBody>
+                  <a:tcPr anchor="ctr"/>
+                </a:tc>
+                <a:tc>
+                  <a:txBody>
+                    <a:bodyPr/>
+                    <a:lstStyle/>
+                    <a:p>
+                      <a:pPr algn="ctr"/>
+                      <a:r>
+                        <a:rPr lang="en-US" sz="1800" dirty="0" smtClean="0">
+                          <a:latin typeface="Georgia" charset="0"/>
+                          <a:ea typeface="Georgia" charset="0"/>
+                          <a:cs typeface="Georgia" charset="0"/>
+                        </a:rPr>
+                        <a:t>age</a:t>
+                      </a:r>
+                      <a:endParaRPr lang="en-US" sz="1800" dirty="0">
+                        <a:latin typeface="Georgia" charset="0"/>
+                        <a:ea typeface="Georgia" charset="0"/>
+                        <a:cs typeface="Georgia" charset="0"/>
+                      </a:endParaRPr>
+                    </a:p>
+                  </a:txBody>
+                  <a:tcPr anchor="ctr"/>
+                </a:tc>
+                <a:tc>
+                  <a:txBody>
+                    <a:bodyPr/>
+                    <a:lstStyle/>
+                    <a:p>
+                      <a:pPr algn="ctr"/>
+                      <a:r>
+                        <a:rPr lang="en-US" sz="1800" dirty="0" smtClean="0">
+                          <a:latin typeface="Georgia" charset="0"/>
+                          <a:ea typeface="Georgia" charset="0"/>
+                          <a:cs typeface="Georgia" charset="0"/>
+                        </a:rPr>
+                        <a:t>occupation</a:t>
+                      </a:r>
+                      <a:endParaRPr lang="en-US" sz="1800" dirty="0">
+                        <a:latin typeface="Georgia" charset="0"/>
+                        <a:ea typeface="Georgia" charset="0"/>
+                        <a:cs typeface="Georgia" charset="0"/>
+                      </a:endParaRPr>
+                    </a:p>
+                  </a:txBody>
+                  <a:tcPr anchor="ctr"/>
+                </a:tc>
+                <a:tc>
+                  <a:txBody>
+                    <a:bodyPr/>
+                    <a:lstStyle/>
+                    <a:p>
+                      <a:pPr algn="ctr"/>
+                      <a:r>
+                        <a:rPr lang="en-US" sz="1800" dirty="0" err="1" smtClean="0">
+                          <a:latin typeface="Georgia" charset="0"/>
+                          <a:ea typeface="Georgia" charset="0"/>
+                          <a:cs typeface="Georgia" charset="0"/>
+                        </a:rPr>
+                        <a:t>last_update</a:t>
+                      </a:r>
+                      <a:endParaRPr lang="en-US" sz="1800" dirty="0">
+                        <a:latin typeface="Georgia" charset="0"/>
+                        <a:ea typeface="Georgia" charset="0"/>
+                        <a:cs typeface="Georgia" charset="0"/>
+                      </a:endParaRPr>
+                    </a:p>
+                  </a:txBody>
+                  <a:tcPr anchor="ctr"/>
+                </a:tc>
+              </a:tr>
+              <a:tr h="370840">
+                <a:tc>
+                  <a:txBody>
+                    <a:bodyPr/>
+                    <a:lstStyle/>
+                    <a:p>
+                      <a:r>
+                        <a:rPr lang="en-US" sz="1800" dirty="0" smtClean="0">
+                          <a:latin typeface="Georgia" charset="0"/>
+                          <a:ea typeface="Georgia" charset="0"/>
+                          <a:cs typeface="Georgia" charset="0"/>
+                        </a:rPr>
+                        <a:t>1</a:t>
+                      </a:r>
+                      <a:endParaRPr lang="en-US" sz="1800" dirty="0">
+                        <a:latin typeface="Georgia" charset="0"/>
+                        <a:ea typeface="Georgia" charset="0"/>
+                        <a:cs typeface="Georgia" charset="0"/>
+                      </a:endParaRPr>
+                    </a:p>
+                  </a:txBody>
+                  <a:tcPr/>
+                </a:tc>
+                <a:tc>
+                  <a:txBody>
+                    <a:bodyPr/>
+                    <a:lstStyle/>
+                    <a:p>
+                      <a:r>
+                        <a:rPr lang="en-US" sz="1800" dirty="0" smtClean="0">
+                          <a:latin typeface="Georgia" charset="0"/>
+                          <a:ea typeface="Georgia" charset="0"/>
+                          <a:cs typeface="Georgia" charset="0"/>
+                        </a:rPr>
+                        <a:t>M</a:t>
+                      </a:r>
+                      <a:endParaRPr lang="en-US" sz="1800" dirty="0">
+                        <a:latin typeface="Georgia" charset="0"/>
+                        <a:ea typeface="Georgia" charset="0"/>
+                        <a:cs typeface="Georgia" charset="0"/>
+                      </a:endParaRPr>
+                    </a:p>
+                  </a:txBody>
+                  <a:tcPr/>
+                </a:tc>
+                <a:tc>
+                  <a:txBody>
+                    <a:bodyPr/>
+                    <a:lstStyle/>
+                    <a:p>
+                      <a:r>
+                        <a:rPr lang="en-US" sz="1800" dirty="0" smtClean="0">
+                          <a:latin typeface="Georgia" charset="0"/>
+                          <a:ea typeface="Georgia" charset="0"/>
+                          <a:cs typeface="Georgia" charset="0"/>
+                        </a:rPr>
+                        <a:t>80131</a:t>
+                      </a:r>
+                      <a:endParaRPr lang="en-US" sz="1800" dirty="0">
+                        <a:latin typeface="Georgia" charset="0"/>
+                        <a:ea typeface="Georgia" charset="0"/>
+                        <a:cs typeface="Georgia" charset="0"/>
+                      </a:endParaRPr>
+                    </a:p>
+                  </a:txBody>
+                  <a:tcPr/>
+                </a:tc>
+                <a:tc>
+                  <a:txBody>
+                    <a:bodyPr/>
+                    <a:lstStyle/>
+                    <a:p>
+                      <a:r>
+                        <a:rPr lang="en-US" sz="1800" dirty="0" smtClean="0">
+                          <a:latin typeface="Georgia" charset="0"/>
+                          <a:ea typeface="Georgia" charset="0"/>
+                          <a:cs typeface="Georgia" charset="0"/>
+                        </a:rPr>
+                        <a:t>28</a:t>
+                      </a:r>
+                      <a:endParaRPr lang="en-US" sz="1800" dirty="0">
+                        <a:latin typeface="Georgia" charset="0"/>
+                        <a:ea typeface="Georgia" charset="0"/>
+                        <a:cs typeface="Georgia" charset="0"/>
+                      </a:endParaRPr>
+                    </a:p>
+                  </a:txBody>
+                  <a:tcPr/>
+                </a:tc>
+                <a:tc>
+                  <a:txBody>
+                    <a:bodyPr/>
+                    <a:lstStyle/>
+                    <a:p>
+                      <a:r>
+                        <a:rPr lang="en-US" sz="1800" dirty="0" smtClean="0">
+                          <a:latin typeface="Georgia" charset="0"/>
+                          <a:ea typeface="Georgia" charset="0"/>
+                          <a:cs typeface="Georgia" charset="0"/>
+                        </a:rPr>
+                        <a:t>student</a:t>
+                      </a:r>
+                      <a:endParaRPr lang="en-US" sz="1800" dirty="0">
+                        <a:latin typeface="Georgia" charset="0"/>
+                        <a:ea typeface="Georgia" charset="0"/>
+                        <a:cs typeface="Georgia" charset="0"/>
+                      </a:endParaRPr>
+                    </a:p>
+                  </a:txBody>
+                  <a:tcPr/>
+                </a:tc>
+                <a:tc>
+                  <a:txBody>
+                    <a:bodyPr/>
+                    <a:lstStyle/>
+                    <a:p>
+                      <a:r>
+                        <a:rPr lang="en-US" sz="1800" dirty="0" smtClean="0">
+                          <a:latin typeface="Georgia" charset="0"/>
+                          <a:ea typeface="Georgia" charset="0"/>
+                          <a:cs typeface="Georgia" charset="0"/>
+                        </a:rPr>
+                        <a:t>20102016</a:t>
+                      </a:r>
+                      <a:endParaRPr lang="en-US" sz="1800" dirty="0">
+                        <a:latin typeface="Georgia" charset="0"/>
+                        <a:ea typeface="Georgia" charset="0"/>
+                        <a:cs typeface="Georgia" charset="0"/>
+                      </a:endParaRPr>
+                    </a:p>
+                  </a:txBody>
+                  <a:tcPr/>
+                </a:tc>
+              </a:tr>
+              <a:tr h="370840">
+                <a:tc>
+                  <a:txBody>
+                    <a:bodyPr/>
+                    <a:lstStyle/>
+                    <a:p>
+                      <a:r>
+                        <a:rPr lang="en-US" sz="1800" dirty="0" smtClean="0">
+                          <a:latin typeface="Georgia" charset="0"/>
+                          <a:ea typeface="Georgia" charset="0"/>
+                          <a:cs typeface="Georgia" charset="0"/>
+                        </a:rPr>
+                        <a:t>2</a:t>
+                      </a:r>
+                      <a:endParaRPr lang="en-US" sz="1800" dirty="0">
+                        <a:latin typeface="Georgia" charset="0"/>
+                        <a:ea typeface="Georgia" charset="0"/>
+                        <a:cs typeface="Georgia" charset="0"/>
+                      </a:endParaRPr>
+                    </a:p>
+                  </a:txBody>
+                  <a:tcPr/>
+                </a:tc>
+                <a:tc>
+                  <a:txBody>
+                    <a:bodyPr/>
+                    <a:lstStyle/>
+                    <a:p>
+                      <a:r>
+                        <a:rPr lang="en-US" sz="1800" dirty="0" smtClean="0">
+                          <a:latin typeface="Georgia" charset="0"/>
+                          <a:ea typeface="Georgia" charset="0"/>
+                          <a:cs typeface="Georgia" charset="0"/>
+                        </a:rPr>
+                        <a:t>F</a:t>
+                      </a:r>
+                      <a:endParaRPr lang="en-US" sz="1800" dirty="0">
+                        <a:latin typeface="Georgia" charset="0"/>
+                        <a:ea typeface="Georgia" charset="0"/>
+                        <a:cs typeface="Georgia" charset="0"/>
+                      </a:endParaRPr>
+                    </a:p>
+                  </a:txBody>
+                  <a:tcPr/>
+                </a:tc>
+                <a:tc>
+                  <a:txBody>
+                    <a:bodyPr/>
+                    <a:lstStyle/>
+                    <a:p>
+                      <a:r>
+                        <a:rPr lang="en-US" sz="1800" dirty="0" smtClean="0">
+                          <a:latin typeface="Georgia" charset="0"/>
+                          <a:ea typeface="Georgia" charset="0"/>
+                          <a:cs typeface="Georgia" charset="0"/>
+                        </a:rPr>
+                        <a:t>00139</a:t>
+                      </a:r>
+                      <a:endParaRPr lang="en-US" sz="1800" dirty="0">
+                        <a:latin typeface="Georgia" charset="0"/>
+                        <a:ea typeface="Georgia" charset="0"/>
+                        <a:cs typeface="Georgia" charset="0"/>
+                      </a:endParaRPr>
+                    </a:p>
+                  </a:txBody>
+                  <a:tcPr/>
+                </a:tc>
+                <a:tc>
+                  <a:txBody>
+                    <a:bodyPr/>
+                    <a:lstStyle/>
+                    <a:p>
+                      <a:r>
+                        <a:rPr lang="en-US" sz="1800" dirty="0" smtClean="0">
+                          <a:latin typeface="Georgia" charset="0"/>
+                          <a:ea typeface="Georgia" charset="0"/>
+                          <a:cs typeface="Georgia" charset="0"/>
+                        </a:rPr>
+                        <a:t>36</a:t>
+                      </a:r>
+                      <a:endParaRPr lang="en-US" sz="1800" dirty="0">
+                        <a:latin typeface="Georgia" charset="0"/>
+                        <a:ea typeface="Georgia" charset="0"/>
+                        <a:cs typeface="Georgia" charset="0"/>
+                      </a:endParaRPr>
+                    </a:p>
+                  </a:txBody>
+                  <a:tcPr/>
+                </a:tc>
+                <a:tc>
+                  <a:txBody>
+                    <a:bodyPr/>
+                    <a:lstStyle/>
+                    <a:p>
+                      <a:r>
+                        <a:rPr lang="en-US" sz="1800" dirty="0" smtClean="0">
+                          <a:latin typeface="Georgia" charset="0"/>
+                          <a:ea typeface="Georgia" charset="0"/>
+                          <a:cs typeface="Georgia" charset="0"/>
+                        </a:rPr>
+                        <a:t>journalist</a:t>
+                      </a:r>
+                      <a:endParaRPr lang="en-US" sz="1800" dirty="0">
+                        <a:latin typeface="Georgia" charset="0"/>
+                        <a:ea typeface="Georgia" charset="0"/>
+                        <a:cs typeface="Georgia" charset="0"/>
+                      </a:endParaRPr>
+                    </a:p>
+                  </a:txBody>
+                  <a:tcPr/>
+                </a:tc>
+                <a:tc>
+                  <a:txBody>
+                    <a:bodyPr/>
+                    <a:lstStyle/>
+                    <a:p>
+                      <a:r>
+                        <a:rPr lang="en-US" sz="1800" dirty="0" smtClean="0">
+                          <a:latin typeface="Georgia" charset="0"/>
+                          <a:ea typeface="Georgia" charset="0"/>
+                          <a:cs typeface="Georgia" charset="0"/>
+                        </a:rPr>
+                        <a:t>25102016</a:t>
+                      </a:r>
+                      <a:endParaRPr lang="en-US" sz="1800" dirty="0">
+                        <a:latin typeface="Georgia" charset="0"/>
+                        <a:ea typeface="Georgia" charset="0"/>
+                        <a:cs typeface="Georgia" charset="0"/>
+                      </a:endParaRPr>
+                    </a:p>
+                  </a:txBody>
+                  <a:tcPr/>
+                </a:tc>
+              </a:tr>
+            </a:tbl>
+          </a:graphicData>
+        </a:graphic>
+      </p:graphicFrame>
+      <p:graphicFrame>
+        <p:nvGraphicFramePr>
+          <p:cNvPr id="3" name="Table 2"/>
+          <p:cNvGraphicFramePr>
+            <a:graphicFrameLocks noGrp="1"/>
+          </p:cNvGraphicFramePr>
+          <p:nvPr>
+            <p:extLst>
+              <p:ext uri="{D42A27DB-BD31-4B8C-83A1-F6EECF244321}">
+                <p14:modId xmlns:p14="http://schemas.microsoft.com/office/powerpoint/2010/main" val="1389759539"/>
+              </p:ext>
+            </p:extLst>
+          </p:nvPr>
+        </p:nvGraphicFramePr>
+        <p:xfrm>
+          <a:off x="1066229" y="2464560"/>
+          <a:ext cx="10080000" cy="1854200"/>
+        </p:xfrm>
+        <a:graphic>
+          <a:graphicData uri="http://schemas.openxmlformats.org/drawingml/2006/table">
+            <a:tbl>
+              <a:tblPr firstRow="1" bandRow="1">
+                <a:tableStyleId>{5C22544A-7EE6-4342-B048-85BDC9FD1C3A}</a:tableStyleId>
+              </a:tblPr>
+              <a:tblGrid>
+                <a:gridCol w="1680000"/>
+                <a:gridCol w="1680000"/>
+                <a:gridCol w="1680000"/>
+                <a:gridCol w="1680000"/>
+                <a:gridCol w="1680000"/>
+                <a:gridCol w="1680000"/>
+              </a:tblGrid>
+              <a:tr h="370840">
+                <a:tc>
+                  <a:txBody>
+                    <a:bodyPr/>
+                    <a:lstStyle/>
+                    <a:p>
+                      <a:pPr algn="ctr"/>
+                      <a:r>
+                        <a:rPr lang="en-US" sz="1800" dirty="0" smtClean="0">
+                          <a:latin typeface="Georgia" charset="0"/>
+                          <a:ea typeface="Georgia" charset="0"/>
+                          <a:cs typeface="Georgia" charset="0"/>
+                        </a:rPr>
+                        <a:t>id</a:t>
+                      </a:r>
+                      <a:endParaRPr lang="en-US" sz="1800" dirty="0">
+                        <a:latin typeface="Georgia" charset="0"/>
+                        <a:ea typeface="Georgia" charset="0"/>
+                        <a:cs typeface="Georgia" charset="0"/>
+                      </a:endParaRPr>
+                    </a:p>
+                  </a:txBody>
+                  <a:tcPr anchor="ctr"/>
+                </a:tc>
+                <a:tc>
+                  <a:txBody>
+                    <a:bodyPr/>
+                    <a:lstStyle/>
+                    <a:p>
+                      <a:pPr algn="ctr"/>
+                      <a:r>
+                        <a:rPr lang="en-US" sz="1800" dirty="0" smtClean="0">
+                          <a:latin typeface="Georgia" charset="0"/>
+                          <a:ea typeface="Georgia" charset="0"/>
+                          <a:cs typeface="Georgia" charset="0"/>
+                        </a:rPr>
+                        <a:t>gender</a:t>
+                      </a:r>
+                      <a:endParaRPr lang="en-US" sz="1800" dirty="0">
+                        <a:latin typeface="Georgia" charset="0"/>
+                        <a:ea typeface="Georgia" charset="0"/>
+                        <a:cs typeface="Georgia" charset="0"/>
+                      </a:endParaRPr>
+                    </a:p>
+                  </a:txBody>
+                  <a:tcPr anchor="ctr"/>
+                </a:tc>
+                <a:tc>
+                  <a:txBody>
+                    <a:bodyPr/>
+                    <a:lstStyle/>
+                    <a:p>
+                      <a:pPr algn="ctr"/>
+                      <a:r>
+                        <a:rPr lang="en-US" sz="1800" dirty="0" err="1" smtClean="0">
+                          <a:latin typeface="Georgia" charset="0"/>
+                          <a:ea typeface="Georgia" charset="0"/>
+                          <a:cs typeface="Georgia" charset="0"/>
+                        </a:rPr>
+                        <a:t>zipcode</a:t>
+                      </a:r>
+                      <a:endParaRPr lang="en-US" sz="1800" dirty="0">
+                        <a:latin typeface="Georgia" charset="0"/>
+                        <a:ea typeface="Georgia" charset="0"/>
+                        <a:cs typeface="Georgia" charset="0"/>
+                      </a:endParaRPr>
+                    </a:p>
+                  </a:txBody>
+                  <a:tcPr anchor="ctr"/>
+                </a:tc>
+                <a:tc>
+                  <a:txBody>
+                    <a:bodyPr/>
+                    <a:lstStyle/>
+                    <a:p>
+                      <a:pPr algn="ctr"/>
+                      <a:r>
+                        <a:rPr lang="en-US" sz="1800" dirty="0" smtClean="0">
+                          <a:latin typeface="Georgia" charset="0"/>
+                          <a:ea typeface="Georgia" charset="0"/>
+                          <a:cs typeface="Georgia" charset="0"/>
+                        </a:rPr>
+                        <a:t>age</a:t>
+                      </a:r>
+                      <a:endParaRPr lang="en-US" sz="1800" dirty="0">
+                        <a:latin typeface="Georgia" charset="0"/>
+                        <a:ea typeface="Georgia" charset="0"/>
+                        <a:cs typeface="Georgia" charset="0"/>
+                      </a:endParaRPr>
+                    </a:p>
+                  </a:txBody>
+                  <a:tcPr anchor="ctr"/>
+                </a:tc>
+                <a:tc>
+                  <a:txBody>
+                    <a:bodyPr/>
+                    <a:lstStyle/>
+                    <a:p>
+                      <a:pPr algn="ctr"/>
+                      <a:r>
+                        <a:rPr lang="en-US" sz="1800" dirty="0" smtClean="0">
+                          <a:latin typeface="Georgia" charset="0"/>
+                          <a:ea typeface="Georgia" charset="0"/>
+                          <a:cs typeface="Georgia" charset="0"/>
+                        </a:rPr>
+                        <a:t>occupation</a:t>
+                      </a:r>
+                      <a:endParaRPr lang="en-US" sz="1800" dirty="0">
+                        <a:latin typeface="Georgia" charset="0"/>
+                        <a:ea typeface="Georgia" charset="0"/>
+                        <a:cs typeface="Georgia" charset="0"/>
+                      </a:endParaRPr>
+                    </a:p>
+                  </a:txBody>
+                  <a:tcPr anchor="ctr"/>
+                </a:tc>
+                <a:tc>
+                  <a:txBody>
+                    <a:bodyPr/>
+                    <a:lstStyle/>
+                    <a:p>
+                      <a:pPr algn="ctr"/>
+                      <a:r>
+                        <a:rPr lang="en-US" sz="1800" dirty="0" err="1" smtClean="0">
+                          <a:latin typeface="Georgia" charset="0"/>
+                          <a:ea typeface="Georgia" charset="0"/>
+                          <a:cs typeface="Georgia" charset="0"/>
+                        </a:rPr>
+                        <a:t>last_update</a:t>
+                      </a:r>
+                      <a:endParaRPr lang="en-US" sz="1800" dirty="0">
+                        <a:latin typeface="Georgia" charset="0"/>
+                        <a:ea typeface="Georgia" charset="0"/>
+                        <a:cs typeface="Georgia" charset="0"/>
+                      </a:endParaRPr>
+                    </a:p>
+                  </a:txBody>
+                  <a:tcPr anchor="ctr"/>
+                </a:tc>
+              </a:tr>
+              <a:tr h="370840">
+                <a:tc>
+                  <a:txBody>
+                    <a:bodyPr/>
+                    <a:lstStyle/>
+                    <a:p>
+                      <a:r>
+                        <a:rPr lang="en-US" sz="1800" dirty="0" smtClean="0">
+                          <a:latin typeface="Georgia" charset="0"/>
+                          <a:ea typeface="Georgia" charset="0"/>
+                          <a:cs typeface="Georgia" charset="0"/>
+                        </a:rPr>
+                        <a:t>1</a:t>
+                      </a:r>
+                      <a:endParaRPr lang="en-US" sz="1800" dirty="0">
+                        <a:latin typeface="Georgia" charset="0"/>
+                        <a:ea typeface="Georgia" charset="0"/>
+                        <a:cs typeface="Georgia" charset="0"/>
+                      </a:endParaRPr>
+                    </a:p>
+                  </a:txBody>
+                  <a:tcPr/>
+                </a:tc>
+                <a:tc>
+                  <a:txBody>
+                    <a:bodyPr/>
+                    <a:lstStyle/>
+                    <a:p>
+                      <a:r>
+                        <a:rPr lang="en-US" sz="1800" dirty="0" smtClean="0">
+                          <a:latin typeface="Georgia" charset="0"/>
+                          <a:ea typeface="Georgia" charset="0"/>
+                          <a:cs typeface="Georgia" charset="0"/>
+                        </a:rPr>
+                        <a:t>M</a:t>
+                      </a:r>
+                      <a:endParaRPr lang="en-US" sz="1800" dirty="0">
+                        <a:latin typeface="Georgia" charset="0"/>
+                        <a:ea typeface="Georgia" charset="0"/>
+                        <a:cs typeface="Georgia" charset="0"/>
+                      </a:endParaRPr>
+                    </a:p>
+                  </a:txBody>
+                  <a:tcPr/>
+                </a:tc>
+                <a:tc>
+                  <a:txBody>
+                    <a:bodyPr/>
+                    <a:lstStyle/>
+                    <a:p>
+                      <a:r>
+                        <a:rPr lang="en-US" sz="1800" dirty="0" smtClean="0">
+                          <a:latin typeface="Georgia" charset="0"/>
+                          <a:ea typeface="Georgia" charset="0"/>
+                          <a:cs typeface="Georgia" charset="0"/>
+                        </a:rPr>
+                        <a:t>80131</a:t>
+                      </a:r>
+                      <a:endParaRPr lang="en-US" sz="1800" dirty="0">
+                        <a:latin typeface="Georgia" charset="0"/>
+                        <a:ea typeface="Georgia" charset="0"/>
+                        <a:cs typeface="Georgia" charset="0"/>
+                      </a:endParaRPr>
+                    </a:p>
+                  </a:txBody>
+                  <a:tcPr/>
+                </a:tc>
+                <a:tc>
+                  <a:txBody>
+                    <a:bodyPr/>
+                    <a:lstStyle/>
+                    <a:p>
+                      <a:r>
+                        <a:rPr lang="en-US" sz="1800" dirty="0" smtClean="0">
+                          <a:latin typeface="Georgia" charset="0"/>
+                          <a:ea typeface="Georgia" charset="0"/>
+                          <a:cs typeface="Georgia" charset="0"/>
+                        </a:rPr>
+                        <a:t>28</a:t>
+                      </a:r>
+                      <a:endParaRPr lang="en-US" sz="1800" dirty="0">
+                        <a:latin typeface="Georgia" charset="0"/>
+                        <a:ea typeface="Georgia" charset="0"/>
+                        <a:cs typeface="Georgia" charset="0"/>
+                      </a:endParaRPr>
+                    </a:p>
+                  </a:txBody>
+                  <a:tcPr/>
+                </a:tc>
+                <a:tc>
+                  <a:txBody>
+                    <a:bodyPr/>
+                    <a:lstStyle/>
+                    <a:p>
+                      <a:r>
+                        <a:rPr lang="en-US" sz="1800" dirty="0" smtClean="0">
+                          <a:latin typeface="Georgia" charset="0"/>
+                          <a:ea typeface="Georgia" charset="0"/>
+                          <a:cs typeface="Georgia" charset="0"/>
+                        </a:rPr>
+                        <a:t>student</a:t>
+                      </a:r>
+                      <a:endParaRPr lang="en-US" sz="1800" dirty="0">
+                        <a:latin typeface="Georgia" charset="0"/>
+                        <a:ea typeface="Georgia" charset="0"/>
+                        <a:cs typeface="Georgia" charset="0"/>
+                      </a:endParaRPr>
+                    </a:p>
+                  </a:txBody>
+                  <a:tcPr/>
+                </a:tc>
+                <a:tc>
+                  <a:txBody>
+                    <a:bodyPr/>
+                    <a:lstStyle/>
+                    <a:p>
+                      <a:r>
+                        <a:rPr lang="en-US" sz="1800" dirty="0" smtClean="0">
+                          <a:latin typeface="Georgia" charset="0"/>
+                          <a:ea typeface="Georgia" charset="0"/>
+                          <a:cs typeface="Georgia" charset="0"/>
+                        </a:rPr>
+                        <a:t>20102016</a:t>
+                      </a:r>
+                      <a:endParaRPr lang="en-US" sz="1800" dirty="0">
+                        <a:latin typeface="Georgia" charset="0"/>
+                        <a:ea typeface="Georgia" charset="0"/>
+                        <a:cs typeface="Georgia" charset="0"/>
+                      </a:endParaRPr>
+                    </a:p>
+                  </a:txBody>
+                  <a:tcPr/>
+                </a:tc>
+              </a:tr>
+              <a:tr h="370840">
+                <a:tc>
+                  <a:txBody>
+                    <a:bodyPr/>
+                    <a:lstStyle/>
+                    <a:p>
+                      <a:r>
+                        <a:rPr lang="en-US" sz="1800" dirty="0" smtClean="0">
+                          <a:latin typeface="Georgia" charset="0"/>
+                          <a:ea typeface="Georgia" charset="0"/>
+                          <a:cs typeface="Georgia" charset="0"/>
+                        </a:rPr>
+                        <a:t>2</a:t>
+                      </a:r>
+                      <a:endParaRPr lang="en-US" sz="1800" dirty="0">
+                        <a:latin typeface="Georgia" charset="0"/>
+                        <a:ea typeface="Georgia" charset="0"/>
+                        <a:cs typeface="Georgia" charset="0"/>
+                      </a:endParaRPr>
+                    </a:p>
+                  </a:txBody>
+                  <a:tcPr/>
+                </a:tc>
+                <a:tc>
+                  <a:txBody>
+                    <a:bodyPr/>
+                    <a:lstStyle/>
+                    <a:p>
+                      <a:r>
+                        <a:rPr lang="en-US" sz="1800" dirty="0" smtClean="0">
+                          <a:latin typeface="Georgia" charset="0"/>
+                          <a:ea typeface="Georgia" charset="0"/>
+                          <a:cs typeface="Georgia" charset="0"/>
+                        </a:rPr>
+                        <a:t>F</a:t>
+                      </a:r>
+                      <a:endParaRPr lang="en-US" sz="1800" dirty="0">
+                        <a:latin typeface="Georgia" charset="0"/>
+                        <a:ea typeface="Georgia" charset="0"/>
+                        <a:cs typeface="Georgia" charset="0"/>
+                      </a:endParaRPr>
+                    </a:p>
+                  </a:txBody>
+                  <a:tcPr/>
+                </a:tc>
+                <a:tc>
+                  <a:txBody>
+                    <a:bodyPr/>
+                    <a:lstStyle/>
+                    <a:p>
+                      <a:r>
+                        <a:rPr lang="en-US" sz="1800" dirty="0" smtClean="0">
+                          <a:latin typeface="Georgia" charset="0"/>
+                          <a:ea typeface="Georgia" charset="0"/>
+                          <a:cs typeface="Georgia" charset="0"/>
+                        </a:rPr>
+                        <a:t>00139</a:t>
+                      </a:r>
+                      <a:endParaRPr lang="en-US" sz="1800" dirty="0">
+                        <a:latin typeface="Georgia" charset="0"/>
+                        <a:ea typeface="Georgia" charset="0"/>
+                        <a:cs typeface="Georgia" charset="0"/>
+                      </a:endParaRPr>
+                    </a:p>
+                  </a:txBody>
+                  <a:tcPr/>
+                </a:tc>
+                <a:tc>
+                  <a:txBody>
+                    <a:bodyPr/>
+                    <a:lstStyle/>
+                    <a:p>
+                      <a:r>
+                        <a:rPr lang="en-US" sz="1800" dirty="0" smtClean="0">
+                          <a:latin typeface="Georgia" charset="0"/>
+                          <a:ea typeface="Georgia" charset="0"/>
+                          <a:cs typeface="Georgia" charset="0"/>
+                        </a:rPr>
+                        <a:t>36</a:t>
+                      </a:r>
+                      <a:endParaRPr lang="en-US" sz="1800" dirty="0">
+                        <a:latin typeface="Georgia" charset="0"/>
+                        <a:ea typeface="Georgia" charset="0"/>
+                        <a:cs typeface="Georgia" charset="0"/>
+                      </a:endParaRPr>
+                    </a:p>
+                  </a:txBody>
+                  <a:tcPr/>
+                </a:tc>
+                <a:tc>
+                  <a:txBody>
+                    <a:bodyPr/>
+                    <a:lstStyle/>
+                    <a:p>
+                      <a:r>
+                        <a:rPr lang="en-US" sz="1800" dirty="0" smtClean="0">
+                          <a:latin typeface="Georgia" charset="0"/>
+                          <a:ea typeface="Georgia" charset="0"/>
+                          <a:cs typeface="Georgia" charset="0"/>
+                        </a:rPr>
+                        <a:t>journalist</a:t>
+                      </a:r>
+                      <a:endParaRPr lang="en-US" sz="1800" dirty="0">
+                        <a:latin typeface="Georgia" charset="0"/>
+                        <a:ea typeface="Georgia" charset="0"/>
+                        <a:cs typeface="Georgia" charset="0"/>
+                      </a:endParaRPr>
+                    </a:p>
+                  </a:txBody>
+                  <a:tcPr/>
+                </a:tc>
+                <a:tc>
+                  <a:txBody>
+                    <a:bodyPr/>
+                    <a:lstStyle/>
+                    <a:p>
+                      <a:r>
+                        <a:rPr lang="en-US" sz="1800" dirty="0" smtClean="0">
+                          <a:latin typeface="Georgia" charset="0"/>
+                          <a:ea typeface="Georgia" charset="0"/>
+                          <a:cs typeface="Georgia" charset="0"/>
+                        </a:rPr>
+                        <a:t>24102016</a:t>
+                      </a:r>
+                      <a:endParaRPr lang="en-US" sz="1800" dirty="0">
+                        <a:latin typeface="Georgia" charset="0"/>
+                        <a:ea typeface="Georgia" charset="0"/>
+                        <a:cs typeface="Georgia" charset="0"/>
+                      </a:endParaRPr>
+                    </a:p>
+                  </a:txBody>
+                  <a:tcPr/>
+                </a:tc>
+              </a:tr>
+              <a:tr h="370840">
+                <a:tc>
+                  <a:txBody>
+                    <a:bodyPr/>
+                    <a:lstStyle/>
+                    <a:p>
+                      <a:r>
+                        <a:rPr lang="en-US" sz="1800" dirty="0" smtClean="0">
+                          <a:latin typeface="Georgia" charset="0"/>
+                          <a:ea typeface="Georgia" charset="0"/>
+                          <a:cs typeface="Georgia" charset="0"/>
+                        </a:rPr>
+                        <a:t>1</a:t>
+                      </a:r>
+                      <a:endParaRPr lang="en-US" sz="1800" dirty="0">
+                        <a:latin typeface="Georgia" charset="0"/>
+                        <a:ea typeface="Georgia" charset="0"/>
+                        <a:cs typeface="Georgia" charset="0"/>
+                      </a:endParaRPr>
+                    </a:p>
+                  </a:txBody>
+                  <a:tcPr/>
+                </a:tc>
+                <a:tc>
+                  <a:txBody>
+                    <a:bodyPr/>
+                    <a:lstStyle/>
+                    <a:p>
+                      <a:r>
+                        <a:rPr lang="en-US" sz="1800" dirty="0" smtClean="0">
+                          <a:latin typeface="Georgia" charset="0"/>
+                          <a:ea typeface="Georgia" charset="0"/>
+                          <a:cs typeface="Georgia" charset="0"/>
+                        </a:rPr>
+                        <a:t>M</a:t>
+                      </a:r>
+                      <a:endParaRPr lang="en-US" sz="1800" dirty="0">
+                        <a:latin typeface="Georgia" charset="0"/>
+                        <a:ea typeface="Georgia" charset="0"/>
+                        <a:cs typeface="Georgia" charset="0"/>
+                      </a:endParaRPr>
+                    </a:p>
+                  </a:txBody>
+                  <a:tcPr/>
+                </a:tc>
+                <a:tc>
+                  <a:txBody>
+                    <a:bodyPr/>
+                    <a:lstStyle/>
+                    <a:p>
+                      <a:r>
+                        <a:rPr lang="en-US" sz="1800" dirty="0" smtClean="0">
+                          <a:latin typeface="Georgia" charset="0"/>
+                          <a:ea typeface="Georgia" charset="0"/>
+                          <a:cs typeface="Georgia" charset="0"/>
+                        </a:rPr>
+                        <a:t>80100</a:t>
+                      </a:r>
+                      <a:endParaRPr lang="en-US" sz="1800" dirty="0">
+                        <a:latin typeface="Georgia" charset="0"/>
+                        <a:ea typeface="Georgia" charset="0"/>
+                        <a:cs typeface="Georgia" charset="0"/>
+                      </a:endParaRPr>
+                    </a:p>
+                  </a:txBody>
+                  <a:tcPr/>
+                </a:tc>
+                <a:tc>
+                  <a:txBody>
+                    <a:bodyPr/>
+                    <a:lstStyle/>
+                    <a:p>
+                      <a:r>
+                        <a:rPr lang="en-US" sz="1800" dirty="0" smtClean="0">
+                          <a:latin typeface="Georgia" charset="0"/>
+                          <a:ea typeface="Georgia" charset="0"/>
+                          <a:cs typeface="Georgia" charset="0"/>
+                        </a:rPr>
+                        <a:t>28</a:t>
+                      </a:r>
+                      <a:endParaRPr lang="en-US" sz="1800" dirty="0">
+                        <a:latin typeface="Georgia" charset="0"/>
+                        <a:ea typeface="Georgia" charset="0"/>
+                        <a:cs typeface="Georgia" charset="0"/>
+                      </a:endParaRPr>
+                    </a:p>
+                  </a:txBody>
+                  <a:tcPr/>
+                </a:tc>
+                <a:tc>
+                  <a:txBody>
+                    <a:bodyPr/>
+                    <a:lstStyle/>
+                    <a:p>
+                      <a:r>
+                        <a:rPr lang="en-US" sz="1800" dirty="0" smtClean="0">
+                          <a:latin typeface="Georgia" charset="0"/>
+                          <a:ea typeface="Georgia" charset="0"/>
+                          <a:cs typeface="Georgia" charset="0"/>
+                        </a:rPr>
+                        <a:t>student</a:t>
+                      </a:r>
+                      <a:endParaRPr lang="en-US" sz="1800" dirty="0">
+                        <a:latin typeface="Georgia" charset="0"/>
+                        <a:ea typeface="Georgia" charset="0"/>
+                        <a:cs typeface="Georgia" charset="0"/>
+                      </a:endParaRPr>
+                    </a:p>
+                  </a:txBody>
+                  <a:tcPr/>
+                </a:tc>
+                <a:tc>
+                  <a:txBody>
+                    <a:bodyPr/>
+                    <a:lstStyle/>
+                    <a:p>
+                      <a:r>
+                        <a:rPr lang="en-US" sz="1800" dirty="0" smtClean="0">
+                          <a:latin typeface="Georgia" charset="0"/>
+                          <a:ea typeface="Georgia" charset="0"/>
+                          <a:cs typeface="Georgia" charset="0"/>
+                        </a:rPr>
+                        <a:t>25102016</a:t>
+                      </a:r>
+                      <a:endParaRPr lang="en-US" sz="1800" dirty="0">
+                        <a:latin typeface="Georgia" charset="0"/>
+                        <a:ea typeface="Georgia" charset="0"/>
+                        <a:cs typeface="Georgia" charset="0"/>
+                      </a:endParaRPr>
+                    </a:p>
+                  </a:txBody>
+                  <a:tcPr/>
+                </a:tc>
+              </a:tr>
+              <a:tr h="370840">
+                <a:tc>
+                  <a:txBody>
+                    <a:bodyPr/>
+                    <a:lstStyle/>
+                    <a:p>
+                      <a:r>
+                        <a:rPr lang="en-US" sz="1800" dirty="0" smtClean="0">
+                          <a:latin typeface="Georgia" charset="0"/>
+                          <a:ea typeface="Georgia" charset="0"/>
+                          <a:cs typeface="Georgia" charset="0"/>
+                        </a:rPr>
+                        <a:t>3</a:t>
+                      </a:r>
+                      <a:endParaRPr lang="en-US" sz="1800" dirty="0">
+                        <a:latin typeface="Georgia" charset="0"/>
+                        <a:ea typeface="Georgia" charset="0"/>
+                        <a:cs typeface="Georgia" charset="0"/>
+                      </a:endParaRPr>
+                    </a:p>
+                  </a:txBody>
+                  <a:tcPr/>
+                </a:tc>
+                <a:tc>
+                  <a:txBody>
+                    <a:bodyPr/>
+                    <a:lstStyle/>
+                    <a:p>
+                      <a:r>
+                        <a:rPr lang="en-US" sz="1800" dirty="0" smtClean="0">
+                          <a:latin typeface="Georgia" charset="0"/>
+                          <a:ea typeface="Georgia" charset="0"/>
+                          <a:cs typeface="Georgia" charset="0"/>
+                        </a:rPr>
+                        <a:t>F</a:t>
+                      </a:r>
+                      <a:endParaRPr lang="en-US" sz="1800" dirty="0">
+                        <a:latin typeface="Georgia" charset="0"/>
+                        <a:ea typeface="Georgia" charset="0"/>
+                        <a:cs typeface="Georgia" charset="0"/>
+                      </a:endParaRPr>
+                    </a:p>
+                  </a:txBody>
+                  <a:tcPr/>
+                </a:tc>
+                <a:tc>
+                  <a:txBody>
+                    <a:bodyPr/>
+                    <a:lstStyle/>
+                    <a:p>
+                      <a:r>
+                        <a:rPr lang="en-US" sz="1800" dirty="0" smtClean="0">
+                          <a:latin typeface="Georgia" charset="0"/>
+                          <a:ea typeface="Georgia" charset="0"/>
+                          <a:cs typeface="Georgia" charset="0"/>
+                        </a:rPr>
+                        <a:t>40122</a:t>
+                      </a:r>
+                      <a:endParaRPr lang="en-US" sz="1800" dirty="0">
+                        <a:latin typeface="Georgia" charset="0"/>
+                        <a:ea typeface="Georgia" charset="0"/>
+                        <a:cs typeface="Georgia" charset="0"/>
+                      </a:endParaRPr>
+                    </a:p>
+                  </a:txBody>
+                  <a:tcPr/>
+                </a:tc>
+                <a:tc>
+                  <a:txBody>
+                    <a:bodyPr/>
+                    <a:lstStyle/>
+                    <a:p>
+                      <a:r>
+                        <a:rPr lang="en-US" sz="1800" dirty="0" smtClean="0">
+                          <a:latin typeface="Georgia" charset="0"/>
+                          <a:ea typeface="Georgia" charset="0"/>
+                          <a:cs typeface="Georgia" charset="0"/>
+                        </a:rPr>
+                        <a:t>44</a:t>
+                      </a:r>
+                      <a:endParaRPr lang="en-US" sz="1800" dirty="0">
+                        <a:latin typeface="Georgia" charset="0"/>
+                        <a:ea typeface="Georgia" charset="0"/>
+                        <a:cs typeface="Georgia" charset="0"/>
+                      </a:endParaRPr>
+                    </a:p>
+                  </a:txBody>
+                  <a:tcPr/>
+                </a:tc>
+                <a:tc>
+                  <a:txBody>
+                    <a:bodyPr/>
+                    <a:lstStyle/>
+                    <a:p>
+                      <a:r>
+                        <a:rPr lang="en-US" sz="1800" dirty="0" smtClean="0">
+                          <a:latin typeface="Georgia" charset="0"/>
+                          <a:ea typeface="Georgia" charset="0"/>
+                          <a:cs typeface="Georgia" charset="0"/>
+                        </a:rPr>
+                        <a:t>writer</a:t>
+                      </a:r>
+                      <a:endParaRPr lang="en-US" sz="1800" dirty="0">
+                        <a:latin typeface="Georgia" charset="0"/>
+                        <a:ea typeface="Georgia" charset="0"/>
+                        <a:cs typeface="Georgia" charset="0"/>
+                      </a:endParaRPr>
+                    </a:p>
+                  </a:txBody>
+                  <a:tcPr/>
+                </a:tc>
+                <a:tc>
+                  <a:txBody>
+                    <a:bodyPr/>
+                    <a:lstStyle/>
+                    <a:p>
+                      <a:r>
+                        <a:rPr lang="en-US" sz="1800" dirty="0" smtClean="0">
+                          <a:latin typeface="Georgia" charset="0"/>
+                          <a:ea typeface="Georgia" charset="0"/>
+                          <a:cs typeface="Georgia" charset="0"/>
+                        </a:rPr>
+                        <a:t>25102106</a:t>
+                      </a:r>
+                      <a:endParaRPr lang="en-US" sz="1800" dirty="0">
+                        <a:latin typeface="Georgia" charset="0"/>
+                        <a:ea typeface="Georgia" charset="0"/>
+                        <a:cs typeface="Georgia" charset="0"/>
+                      </a:endParaRPr>
+                    </a:p>
+                  </a:txBody>
+                  <a:tcPr/>
+                </a:tc>
+              </a:tr>
+            </a:tbl>
+          </a:graphicData>
+        </a:graphic>
+      </p:graphicFrame>
     </p:spTree>
     <p:extLst>
       <p:ext uri="{BB962C8B-B14F-4D97-AF65-F5344CB8AC3E}">
@@ -8871,6 +10027,13 @@
   <p:clrMapOvr>
     <a:masterClrMapping/>
   </p:clrMapOvr>
+  <p:timing>
+    <p:tnLst>
+      <p:par>
+        <p:cTn id="1" dur="indefinite" restart="never" nodeType="tmRoot"/>
+      </p:par>
+    </p:tnLst>
+  </p:timing>
 </p:sld>
 </file>
 

--- a/graphics/pp_figures.pptx
+++ b/graphics/pp_figures.pptx
@@ -22,6 +22,7 @@
     <p:sldId id="270" r:id="rId16"/>
     <p:sldId id="271" r:id="rId17"/>
     <p:sldId id="272" r:id="rId18"/>
+    <p:sldId id="273" r:id="rId19"/>
   </p:sldIdLst>
   <p:sldSz cx="12192000" cy="6858000"/>
   <p:notesSz cx="6858000" cy="9144000"/>
@@ -259,7 +260,7 @@
           <a:p>
             <a:fld id="{F5129A45-5DBA-C54E-9726-F79A501E80FC}" type="datetimeFigureOut">
               <a:rPr lang="en-US" smtClean="0"/>
-              <a:t>10/25/16</a:t>
+              <a:t>10/28/16</a:t>
             </a:fld>
             <a:endParaRPr lang="en-US"/>
           </a:p>
@@ -429,7 +430,7 @@
           <a:p>
             <a:fld id="{F5129A45-5DBA-C54E-9726-F79A501E80FC}" type="datetimeFigureOut">
               <a:rPr lang="en-US" smtClean="0"/>
-              <a:t>10/25/16</a:t>
+              <a:t>10/28/16</a:t>
             </a:fld>
             <a:endParaRPr lang="en-US"/>
           </a:p>
@@ -609,7 +610,7 @@
           <a:p>
             <a:fld id="{F5129A45-5DBA-C54E-9726-F79A501E80FC}" type="datetimeFigureOut">
               <a:rPr lang="en-US" smtClean="0"/>
-              <a:t>10/25/16</a:t>
+              <a:t>10/28/16</a:t>
             </a:fld>
             <a:endParaRPr lang="en-US"/>
           </a:p>
@@ -779,7 +780,7 @@
           <a:p>
             <a:fld id="{F5129A45-5DBA-C54E-9726-F79A501E80FC}" type="datetimeFigureOut">
               <a:rPr lang="en-US" smtClean="0"/>
-              <a:t>10/25/16</a:t>
+              <a:t>10/28/16</a:t>
             </a:fld>
             <a:endParaRPr lang="en-US"/>
           </a:p>
@@ -1025,7 +1026,7 @@
           <a:p>
             <a:fld id="{F5129A45-5DBA-C54E-9726-F79A501E80FC}" type="datetimeFigureOut">
               <a:rPr lang="en-US" smtClean="0"/>
-              <a:t>10/25/16</a:t>
+              <a:t>10/28/16</a:t>
             </a:fld>
             <a:endParaRPr lang="en-US"/>
           </a:p>
@@ -1257,7 +1258,7 @@
           <a:p>
             <a:fld id="{F5129A45-5DBA-C54E-9726-F79A501E80FC}" type="datetimeFigureOut">
               <a:rPr lang="en-US" smtClean="0"/>
-              <a:t>10/25/16</a:t>
+              <a:t>10/28/16</a:t>
             </a:fld>
             <a:endParaRPr lang="en-US"/>
           </a:p>
@@ -1624,7 +1625,7 @@
           <a:p>
             <a:fld id="{F5129A45-5DBA-C54E-9726-F79A501E80FC}" type="datetimeFigureOut">
               <a:rPr lang="en-US" smtClean="0"/>
-              <a:t>10/25/16</a:t>
+              <a:t>10/28/16</a:t>
             </a:fld>
             <a:endParaRPr lang="en-US"/>
           </a:p>
@@ -1742,7 +1743,7 @@
           <a:p>
             <a:fld id="{F5129A45-5DBA-C54E-9726-F79A501E80FC}" type="datetimeFigureOut">
               <a:rPr lang="en-US" smtClean="0"/>
-              <a:t>10/25/16</a:t>
+              <a:t>10/28/16</a:t>
             </a:fld>
             <a:endParaRPr lang="en-US"/>
           </a:p>
@@ -1837,7 +1838,7 @@
           <a:p>
             <a:fld id="{F5129A45-5DBA-C54E-9726-F79A501E80FC}" type="datetimeFigureOut">
               <a:rPr lang="en-US" smtClean="0"/>
-              <a:t>10/25/16</a:t>
+              <a:t>10/28/16</a:t>
             </a:fld>
             <a:endParaRPr lang="en-US"/>
           </a:p>
@@ -2114,7 +2115,7 @@
           <a:p>
             <a:fld id="{F5129A45-5DBA-C54E-9726-F79A501E80FC}" type="datetimeFigureOut">
               <a:rPr lang="en-US" smtClean="0"/>
-              <a:t>10/25/16</a:t>
+              <a:t>10/28/16</a:t>
             </a:fld>
             <a:endParaRPr lang="en-US"/>
           </a:p>
@@ -2367,7 +2368,7 @@
           <a:p>
             <a:fld id="{F5129A45-5DBA-C54E-9726-F79A501E80FC}" type="datetimeFigureOut">
               <a:rPr lang="en-US" smtClean="0"/>
-              <a:t>10/25/16</a:t>
+              <a:t>10/28/16</a:t>
             </a:fld>
             <a:endParaRPr lang="en-US"/>
           </a:p>
@@ -2580,7 +2581,7 @@
           <a:p>
             <a:fld id="{F5129A45-5DBA-C54E-9726-F79A501E80FC}" type="datetimeFigureOut">
               <a:rPr lang="en-US" smtClean="0"/>
-              <a:t>10/25/16</a:t>
+              <a:t>10/28/16</a:t>
             </a:fld>
             <a:endParaRPr lang="en-US"/>
           </a:p>
@@ -10037,6 +10038,531 @@
 </p:sld>
 </file>
 
+<file path=ppt/slides/slide18.xml><?xml version="1.0" encoding="utf-8"?>
+<p:sld xmlns:a="http://schemas.openxmlformats.org/drawingml/2006/main" xmlns:r="http://schemas.openxmlformats.org/officeDocument/2006/relationships" xmlns:p="http://schemas.openxmlformats.org/presentationml/2006/main">
+  <p:cSld>
+    <p:spTree>
+      <p:nvGrpSpPr>
+        <p:cNvPr id="1" name=""/>
+        <p:cNvGrpSpPr/>
+        <p:nvPr/>
+      </p:nvGrpSpPr>
+      <p:grpSpPr>
+        <a:xfrm>
+          <a:off x="0" y="0"/>
+          <a:ext cx="0" cy="0"/>
+          <a:chOff x="0" y="0"/>
+          <a:chExt cx="0" cy="0"/>
+        </a:xfrm>
+      </p:grpSpPr>
+      <p:graphicFrame>
+        <p:nvGraphicFramePr>
+          <p:cNvPr id="3" name="Table 2"/>
+          <p:cNvGraphicFramePr>
+            <a:graphicFrameLocks noGrp="1"/>
+          </p:cNvGraphicFramePr>
+          <p:nvPr>
+            <p:extLst>
+              <p:ext uri="{D42A27DB-BD31-4B8C-83A1-F6EECF244321}">
+                <p14:modId xmlns:p14="http://schemas.microsoft.com/office/powerpoint/2010/main" val="1540663777"/>
+              </p:ext>
+            </p:extLst>
+          </p:nvPr>
+        </p:nvGraphicFramePr>
+        <p:xfrm>
+          <a:off x="1066229" y="2464560"/>
+          <a:ext cx="7200000" cy="1854200"/>
+        </p:xfrm>
+        <a:graphic>
+          <a:graphicData uri="http://schemas.openxmlformats.org/drawingml/2006/table">
+            <a:tbl>
+              <a:tblPr firstRow="1" bandRow="1">
+                <a:tableStyleId>{5C22544A-7EE6-4342-B048-85BDC9FD1C3A}</a:tableStyleId>
+              </a:tblPr>
+              <a:tblGrid>
+                <a:gridCol w="1800000"/>
+                <a:gridCol w="1800000"/>
+                <a:gridCol w="1800000"/>
+                <a:gridCol w="1800000"/>
+              </a:tblGrid>
+              <a:tr h="370840">
+                <a:tc>
+                  <a:txBody>
+                    <a:bodyPr/>
+                    <a:lstStyle/>
+                    <a:p>
+                      <a:pPr algn="ctr"/>
+                      <a:r>
+                        <a:rPr lang="en-US" sz="1800" dirty="0" smtClean="0">
+                          <a:latin typeface="Georgia" charset="0"/>
+                          <a:ea typeface="Georgia" charset="0"/>
+                          <a:cs typeface="Georgia" charset="0"/>
+                        </a:rPr>
+                        <a:t>id</a:t>
+                      </a:r>
+                      <a:endParaRPr lang="en-US" sz="1800" dirty="0">
+                        <a:latin typeface="Georgia" charset="0"/>
+                        <a:ea typeface="Georgia" charset="0"/>
+                        <a:cs typeface="Georgia" charset="0"/>
+                      </a:endParaRPr>
+                    </a:p>
+                  </a:txBody>
+                  <a:tcPr anchor="ctr"/>
+                </a:tc>
+                <a:tc>
+                  <a:txBody>
+                    <a:bodyPr/>
+                    <a:lstStyle/>
+                    <a:p>
+                      <a:pPr algn="ctr"/>
+                      <a:r>
+                        <a:rPr lang="en-US" sz="1800" dirty="0" smtClean="0">
+                          <a:latin typeface="Georgia" charset="0"/>
+                          <a:ea typeface="Georgia" charset="0"/>
+                          <a:cs typeface="Georgia" charset="0"/>
+                        </a:rPr>
+                        <a:t>gender</a:t>
+                      </a:r>
+                      <a:endParaRPr lang="en-US" sz="1800" dirty="0">
+                        <a:latin typeface="Georgia" charset="0"/>
+                        <a:ea typeface="Georgia" charset="0"/>
+                        <a:cs typeface="Georgia" charset="0"/>
+                      </a:endParaRPr>
+                    </a:p>
+                  </a:txBody>
+                  <a:tcPr anchor="ctr"/>
+                </a:tc>
+                <a:tc>
+                  <a:txBody>
+                    <a:bodyPr/>
+                    <a:lstStyle/>
+                    <a:p>
+                      <a:pPr algn="ctr"/>
+                      <a:r>
+                        <a:rPr lang="en-US" sz="1800" dirty="0" smtClean="0">
+                          <a:latin typeface="Georgia" charset="0"/>
+                          <a:ea typeface="Georgia" charset="0"/>
+                          <a:cs typeface="Georgia" charset="0"/>
+                        </a:rPr>
+                        <a:t>name</a:t>
+                      </a:r>
+                      <a:endParaRPr lang="en-US" sz="1800" dirty="0">
+                        <a:latin typeface="Georgia" charset="0"/>
+                        <a:ea typeface="Georgia" charset="0"/>
+                        <a:cs typeface="Georgia" charset="0"/>
+                      </a:endParaRPr>
+                    </a:p>
+                  </a:txBody>
+                  <a:tcPr anchor="ctr"/>
+                </a:tc>
+                <a:tc>
+                  <a:txBody>
+                    <a:bodyPr/>
+                    <a:lstStyle/>
+                    <a:p>
+                      <a:pPr algn="ctr"/>
+                      <a:r>
+                        <a:rPr lang="en-US" sz="1800" dirty="0" smtClean="0">
+                          <a:latin typeface="Georgia" charset="0"/>
+                          <a:ea typeface="Georgia" charset="0"/>
+                          <a:cs typeface="Georgia" charset="0"/>
+                        </a:rPr>
+                        <a:t>age</a:t>
+                      </a:r>
+                      <a:endParaRPr lang="en-US" sz="1800" dirty="0">
+                        <a:latin typeface="Georgia" charset="0"/>
+                        <a:ea typeface="Georgia" charset="0"/>
+                        <a:cs typeface="Georgia" charset="0"/>
+                      </a:endParaRPr>
+                    </a:p>
+                  </a:txBody>
+                  <a:tcPr anchor="ctr"/>
+                </a:tc>
+              </a:tr>
+              <a:tr h="370840">
+                <a:tc>
+                  <a:txBody>
+                    <a:bodyPr/>
+                    <a:lstStyle/>
+                    <a:p>
+                      <a:r>
+                        <a:rPr lang="en-US" sz="1800" dirty="0" smtClean="0">
+                          <a:latin typeface="Georgia" charset="0"/>
+                          <a:ea typeface="Georgia" charset="0"/>
+                          <a:cs typeface="Georgia" charset="0"/>
+                        </a:rPr>
+                        <a:t>1</a:t>
+                      </a:r>
+                      <a:endParaRPr lang="en-US" sz="1800" dirty="0">
+                        <a:latin typeface="Georgia" charset="0"/>
+                        <a:ea typeface="Georgia" charset="0"/>
+                        <a:cs typeface="Georgia" charset="0"/>
+                      </a:endParaRPr>
+                    </a:p>
+                  </a:txBody>
+                  <a:tcPr anchor="ctr"/>
+                </a:tc>
+                <a:tc>
+                  <a:txBody>
+                    <a:bodyPr/>
+                    <a:lstStyle/>
+                    <a:p>
+                      <a:r>
+                        <a:rPr lang="en-US" sz="1800" dirty="0" smtClean="0">
+                          <a:latin typeface="Georgia" charset="0"/>
+                          <a:ea typeface="Georgia" charset="0"/>
+                          <a:cs typeface="Georgia" charset="0"/>
+                        </a:rPr>
+                        <a:t>M</a:t>
+                      </a:r>
+                      <a:endParaRPr lang="en-US" sz="1800" dirty="0">
+                        <a:latin typeface="Georgia" charset="0"/>
+                        <a:ea typeface="Georgia" charset="0"/>
+                        <a:cs typeface="Georgia" charset="0"/>
+                      </a:endParaRPr>
+                    </a:p>
+                  </a:txBody>
+                  <a:tcPr anchor="ctr"/>
+                </a:tc>
+                <a:tc>
+                  <a:txBody>
+                    <a:bodyPr/>
+                    <a:lstStyle/>
+                    <a:p>
+                      <a:r>
+                        <a:rPr lang="en-US" sz="1800" dirty="0" smtClean="0">
+                          <a:latin typeface="Georgia" charset="0"/>
+                          <a:ea typeface="Georgia" charset="0"/>
+                          <a:cs typeface="Georgia" charset="0"/>
+                        </a:rPr>
+                        <a:t>Harry Potter</a:t>
+                      </a:r>
+                      <a:endParaRPr lang="en-US" sz="1800" dirty="0">
+                        <a:latin typeface="Georgia" charset="0"/>
+                        <a:ea typeface="Georgia" charset="0"/>
+                        <a:cs typeface="Georgia" charset="0"/>
+                      </a:endParaRPr>
+                    </a:p>
+                  </a:txBody>
+                  <a:tcPr anchor="ctr"/>
+                </a:tc>
+                <a:tc>
+                  <a:txBody>
+                    <a:bodyPr/>
+                    <a:lstStyle/>
+                    <a:p>
+                      <a:r>
+                        <a:rPr lang="en-US" sz="1800" dirty="0" smtClean="0">
+                          <a:latin typeface="Georgia" charset="0"/>
+                          <a:ea typeface="Georgia" charset="0"/>
+                          <a:cs typeface="Georgia" charset="0"/>
+                        </a:rPr>
+                        <a:t>28</a:t>
+                      </a:r>
+                      <a:endParaRPr lang="en-US" sz="1800" dirty="0">
+                        <a:latin typeface="Georgia" charset="0"/>
+                        <a:ea typeface="Georgia" charset="0"/>
+                        <a:cs typeface="Georgia" charset="0"/>
+                      </a:endParaRPr>
+                    </a:p>
+                  </a:txBody>
+                  <a:tcPr anchor="ctr"/>
+                </a:tc>
+              </a:tr>
+              <a:tr h="370840">
+                <a:tc>
+                  <a:txBody>
+                    <a:bodyPr/>
+                    <a:lstStyle/>
+                    <a:p>
+                      <a:r>
+                        <a:rPr lang="en-US" sz="1800" dirty="0" smtClean="0">
+                          <a:latin typeface="Georgia" charset="0"/>
+                          <a:ea typeface="Georgia" charset="0"/>
+                          <a:cs typeface="Georgia" charset="0"/>
+                        </a:rPr>
+                        <a:t>2</a:t>
+                      </a:r>
+                      <a:endParaRPr lang="en-US" sz="1800" dirty="0">
+                        <a:latin typeface="Georgia" charset="0"/>
+                        <a:ea typeface="Georgia" charset="0"/>
+                        <a:cs typeface="Georgia" charset="0"/>
+                      </a:endParaRPr>
+                    </a:p>
+                  </a:txBody>
+                  <a:tcPr anchor="ctr"/>
+                </a:tc>
+                <a:tc>
+                  <a:txBody>
+                    <a:bodyPr/>
+                    <a:lstStyle/>
+                    <a:p>
+                      <a:r>
+                        <a:rPr lang="en-US" sz="1800" dirty="0" smtClean="0">
+                          <a:latin typeface="Georgia" charset="0"/>
+                          <a:ea typeface="Georgia" charset="0"/>
+                          <a:cs typeface="Georgia" charset="0"/>
+                        </a:rPr>
+                        <a:t>F</a:t>
+                      </a:r>
+                      <a:endParaRPr lang="en-US" sz="1800" dirty="0">
+                        <a:latin typeface="Georgia" charset="0"/>
+                        <a:ea typeface="Georgia" charset="0"/>
+                        <a:cs typeface="Georgia" charset="0"/>
+                      </a:endParaRPr>
+                    </a:p>
+                  </a:txBody>
+                  <a:tcPr anchor="ctr"/>
+                </a:tc>
+                <a:tc>
+                  <a:txBody>
+                    <a:bodyPr/>
+                    <a:lstStyle/>
+                    <a:p>
+                      <a:r>
+                        <a:rPr lang="en-US" sz="1800" dirty="0" smtClean="0">
+                          <a:latin typeface="Georgia" charset="0"/>
+                          <a:ea typeface="Georgia" charset="0"/>
+                          <a:cs typeface="Georgia" charset="0"/>
+                        </a:rPr>
+                        <a:t>Frodo Baggins</a:t>
+                      </a:r>
+                      <a:endParaRPr lang="en-US" sz="1800" dirty="0">
+                        <a:latin typeface="Georgia" charset="0"/>
+                        <a:ea typeface="Georgia" charset="0"/>
+                        <a:cs typeface="Georgia" charset="0"/>
+                      </a:endParaRPr>
+                    </a:p>
+                  </a:txBody>
+                  <a:tcPr anchor="ctr"/>
+                </a:tc>
+                <a:tc>
+                  <a:txBody>
+                    <a:bodyPr/>
+                    <a:lstStyle/>
+                    <a:p>
+                      <a:r>
+                        <a:rPr lang="en-US" sz="1800" dirty="0" smtClean="0">
+                          <a:latin typeface="Georgia" charset="0"/>
+                          <a:ea typeface="Georgia" charset="0"/>
+                          <a:cs typeface="Georgia" charset="0"/>
+                        </a:rPr>
+                        <a:t>36</a:t>
+                      </a:r>
+                      <a:endParaRPr lang="en-US" sz="1800" dirty="0">
+                        <a:latin typeface="Georgia" charset="0"/>
+                        <a:ea typeface="Georgia" charset="0"/>
+                        <a:cs typeface="Georgia" charset="0"/>
+                      </a:endParaRPr>
+                    </a:p>
+                  </a:txBody>
+                  <a:tcPr anchor="ctr"/>
+                </a:tc>
+              </a:tr>
+              <a:tr h="370840">
+                <a:tc>
+                  <a:txBody>
+                    <a:bodyPr/>
+                    <a:lstStyle/>
+                    <a:p>
+                      <a:r>
+                        <a:rPr lang="en-US" sz="1800" dirty="0" smtClean="0">
+                          <a:latin typeface="Georgia" charset="0"/>
+                          <a:ea typeface="Georgia" charset="0"/>
+                          <a:cs typeface="Georgia" charset="0"/>
+                        </a:rPr>
+                        <a:t>1</a:t>
+                      </a:r>
+                      <a:endParaRPr lang="en-US" sz="1800" dirty="0">
+                        <a:latin typeface="Georgia" charset="0"/>
+                        <a:ea typeface="Georgia" charset="0"/>
+                        <a:cs typeface="Georgia" charset="0"/>
+                      </a:endParaRPr>
+                    </a:p>
+                  </a:txBody>
+                  <a:tcPr anchor="ctr"/>
+                </a:tc>
+                <a:tc>
+                  <a:txBody>
+                    <a:bodyPr/>
+                    <a:lstStyle/>
+                    <a:p>
+                      <a:r>
+                        <a:rPr lang="en-US" sz="1800" dirty="0" smtClean="0">
+                          <a:latin typeface="Georgia" charset="0"/>
+                          <a:ea typeface="Georgia" charset="0"/>
+                          <a:cs typeface="Georgia" charset="0"/>
+                        </a:rPr>
+                        <a:t>M</a:t>
+                      </a:r>
+                      <a:endParaRPr lang="en-US" sz="1800" dirty="0">
+                        <a:latin typeface="Georgia" charset="0"/>
+                        <a:ea typeface="Georgia" charset="0"/>
+                        <a:cs typeface="Georgia" charset="0"/>
+                      </a:endParaRPr>
+                    </a:p>
+                  </a:txBody>
+                  <a:tcPr anchor="ctr"/>
+                </a:tc>
+                <a:tc>
+                  <a:txBody>
+                    <a:bodyPr/>
+                    <a:lstStyle/>
+                    <a:p>
+                      <a:r>
+                        <a:rPr lang="en-US" sz="1800" dirty="0" smtClean="0">
+                          <a:latin typeface="Georgia" charset="0"/>
+                          <a:ea typeface="Georgia" charset="0"/>
+                          <a:cs typeface="Georgia" charset="0"/>
+                        </a:rPr>
+                        <a:t>Luke Skywalker</a:t>
+                      </a:r>
+                      <a:endParaRPr lang="en-US" sz="1800" dirty="0">
+                        <a:latin typeface="Georgia" charset="0"/>
+                        <a:ea typeface="Georgia" charset="0"/>
+                        <a:cs typeface="Georgia" charset="0"/>
+                      </a:endParaRPr>
+                    </a:p>
+                  </a:txBody>
+                  <a:tcPr anchor="ctr"/>
+                </a:tc>
+                <a:tc>
+                  <a:txBody>
+                    <a:bodyPr/>
+                    <a:lstStyle/>
+                    <a:p>
+                      <a:r>
+                        <a:rPr lang="en-US" sz="1800" dirty="0" smtClean="0">
+                          <a:latin typeface="Georgia" charset="0"/>
+                          <a:ea typeface="Georgia" charset="0"/>
+                          <a:cs typeface="Georgia" charset="0"/>
+                        </a:rPr>
+                        <a:t>28</a:t>
+                      </a:r>
+                      <a:endParaRPr lang="en-US" sz="1800" dirty="0">
+                        <a:latin typeface="Georgia" charset="0"/>
+                        <a:ea typeface="Georgia" charset="0"/>
+                        <a:cs typeface="Georgia" charset="0"/>
+                      </a:endParaRPr>
+                    </a:p>
+                  </a:txBody>
+                  <a:tcPr anchor="ctr"/>
+                </a:tc>
+              </a:tr>
+              <a:tr h="370840">
+                <a:tc>
+                  <a:txBody>
+                    <a:bodyPr/>
+                    <a:lstStyle/>
+                    <a:p>
+                      <a:r>
+                        <a:rPr lang="en-US" sz="1800" dirty="0" smtClean="0">
+                          <a:latin typeface="Georgia" charset="0"/>
+                          <a:ea typeface="Georgia" charset="0"/>
+                          <a:cs typeface="Georgia" charset="0"/>
+                        </a:rPr>
+                        <a:t>3</a:t>
+                      </a:r>
+                      <a:endParaRPr lang="en-US" sz="1800" dirty="0">
+                        <a:latin typeface="Georgia" charset="0"/>
+                        <a:ea typeface="Georgia" charset="0"/>
+                        <a:cs typeface="Georgia" charset="0"/>
+                      </a:endParaRPr>
+                    </a:p>
+                  </a:txBody>
+                  <a:tcPr anchor="ctr"/>
+                </a:tc>
+                <a:tc>
+                  <a:txBody>
+                    <a:bodyPr/>
+                    <a:lstStyle/>
+                    <a:p>
+                      <a:r>
+                        <a:rPr lang="en-US" sz="1800" dirty="0" smtClean="0">
+                          <a:latin typeface="Georgia" charset="0"/>
+                          <a:ea typeface="Georgia" charset="0"/>
+                          <a:cs typeface="Georgia" charset="0"/>
+                        </a:rPr>
+                        <a:t>F</a:t>
+                      </a:r>
+                      <a:endParaRPr lang="en-US" sz="1800" dirty="0">
+                        <a:latin typeface="Georgia" charset="0"/>
+                        <a:ea typeface="Georgia" charset="0"/>
+                        <a:cs typeface="Georgia" charset="0"/>
+                      </a:endParaRPr>
+                    </a:p>
+                  </a:txBody>
+                  <a:tcPr anchor="ctr"/>
+                </a:tc>
+                <a:tc>
+                  <a:txBody>
+                    <a:bodyPr/>
+                    <a:lstStyle/>
+                    <a:p>
+                      <a:r>
+                        <a:rPr lang="en-US" sz="1800" dirty="0" smtClean="0">
+                          <a:latin typeface="Georgia" charset="0"/>
+                          <a:ea typeface="Georgia" charset="0"/>
+                          <a:cs typeface="Georgia" charset="0"/>
+                        </a:rPr>
+                        <a:t>Walter White</a:t>
+                      </a:r>
+                      <a:endParaRPr lang="en-US" sz="1800" dirty="0">
+                        <a:latin typeface="Georgia" charset="0"/>
+                        <a:ea typeface="Georgia" charset="0"/>
+                        <a:cs typeface="Georgia" charset="0"/>
+                      </a:endParaRPr>
+                    </a:p>
+                  </a:txBody>
+                  <a:tcPr anchor="ctr"/>
+                </a:tc>
+                <a:tc>
+                  <a:txBody>
+                    <a:bodyPr/>
+                    <a:lstStyle/>
+                    <a:p>
+                      <a:r>
+                        <a:rPr lang="en-US" sz="1800" dirty="0" smtClean="0">
+                          <a:latin typeface="Georgia" charset="0"/>
+                          <a:ea typeface="Georgia" charset="0"/>
+                          <a:cs typeface="Georgia" charset="0"/>
+                        </a:rPr>
+                        <a:t>44</a:t>
+                      </a:r>
+                      <a:endParaRPr lang="en-US" sz="1800" dirty="0">
+                        <a:latin typeface="Georgia" charset="0"/>
+                        <a:ea typeface="Georgia" charset="0"/>
+                        <a:cs typeface="Georgia" charset="0"/>
+                      </a:endParaRPr>
+                    </a:p>
+                  </a:txBody>
+                  <a:tcPr anchor="ctr"/>
+                </a:tc>
+              </a:tr>
+            </a:tbl>
+          </a:graphicData>
+        </a:graphic>
+      </p:graphicFrame>
+    </p:spTree>
+    <p:extLst>
+      <p:ext uri="{BB962C8B-B14F-4D97-AF65-F5344CB8AC3E}">
+        <p14:creationId xmlns:p14="http://schemas.microsoft.com/office/powerpoint/2010/main" val="1382906495"/>
+      </p:ext>
+    </p:extLst>
+  </p:cSld>
+  <p:clrMapOvr>
+    <a:masterClrMapping/>
+  </p:clrMapOvr>
+  <p:timing>
+    <p:tnLst>
+      <p:par>
+        <p:cTn id="1" dur="indefinite" restart="never" nodeType="tmRoot"/>
+      </p:par>
+    </p:tnLst>
+  </p:timing>
+</p:sld>
+</file>
+
 <file path=ppt/slides/slide2.xml><?xml version="1.0" encoding="utf-8"?>
 <p:sld xmlns:a="http://schemas.openxmlformats.org/drawingml/2006/main" xmlns:r="http://schemas.openxmlformats.org/officeDocument/2006/relationships" xmlns:p="http://schemas.openxmlformats.org/presentationml/2006/main">
   <p:cSld>

--- a/graphics/pp_figures.pptx
+++ b/graphics/pp_figures.pptx
@@ -10064,7 +10064,7 @@
           <p:nvPr>
             <p:extLst>
               <p:ext uri="{D42A27DB-BD31-4B8C-83A1-F6EECF244321}">
-                <p14:modId xmlns:p14="http://schemas.microsoft.com/office/powerpoint/2010/main" val="1540663777"/>
+                <p14:modId xmlns:p14="http://schemas.microsoft.com/office/powerpoint/2010/main" val="902916289"/>
               </p:ext>
             </p:extLst>
           </p:nvPr>
@@ -10325,7 +10325,15 @@
                           <a:ea typeface="Georgia" charset="0"/>
                           <a:cs typeface="Georgia" charset="0"/>
                         </a:rPr>
-                        <a:t>Frodo Baggins</a:t>
+                        <a:t>Black</a:t>
+                      </a:r>
+                      <a:r>
+                        <a:rPr lang="en-US" sz="1800" baseline="0" dirty="0" smtClean="0">
+                          <a:latin typeface="Georgia" charset="0"/>
+                          <a:ea typeface="Georgia" charset="0"/>
+                          <a:cs typeface="Georgia" charset="0"/>
+                        </a:rPr>
+                        <a:t> Mamba</a:t>
                       </a:r>
                       <a:endParaRPr lang="en-US" sz="1800" dirty="0">
                         <a:latin typeface="Georgia" charset="0"/>
@@ -10483,7 +10491,7 @@
                           <a:ea typeface="Georgia" charset="0"/>
                           <a:cs typeface="Georgia" charset="0"/>
                         </a:rPr>
-                        <a:t>F</a:t>
+                        <a:t>M</a:t>
                       </a:r>
                       <a:endParaRPr lang="en-US" sz="1800" dirty="0">
                         <a:latin typeface="Georgia" charset="0"/>

--- a/graphics/pp_figures.pptx
+++ b/graphics/pp_figures.pptx
@@ -23,6 +23,7 @@
     <p:sldId id="271" r:id="rId17"/>
     <p:sldId id="272" r:id="rId18"/>
     <p:sldId id="273" r:id="rId19"/>
+    <p:sldId id="274" r:id="rId20"/>
   </p:sldIdLst>
   <p:sldSz cx="12192000" cy="6858000"/>
   <p:notesSz cx="6858000" cy="9144000"/>
@@ -260,7 +261,7 @@
           <a:p>
             <a:fld id="{F5129A45-5DBA-C54E-9726-F79A501E80FC}" type="datetimeFigureOut">
               <a:rPr lang="en-US" smtClean="0"/>
-              <a:t>10/28/16</a:t>
+              <a:t>11/1/16</a:t>
             </a:fld>
             <a:endParaRPr lang="en-US"/>
           </a:p>
@@ -430,7 +431,7 @@
           <a:p>
             <a:fld id="{F5129A45-5DBA-C54E-9726-F79A501E80FC}" type="datetimeFigureOut">
               <a:rPr lang="en-US" smtClean="0"/>
-              <a:t>10/28/16</a:t>
+              <a:t>11/1/16</a:t>
             </a:fld>
             <a:endParaRPr lang="en-US"/>
           </a:p>
@@ -610,7 +611,7 @@
           <a:p>
             <a:fld id="{F5129A45-5DBA-C54E-9726-F79A501E80FC}" type="datetimeFigureOut">
               <a:rPr lang="en-US" smtClean="0"/>
-              <a:t>10/28/16</a:t>
+              <a:t>11/1/16</a:t>
             </a:fld>
             <a:endParaRPr lang="en-US"/>
           </a:p>
@@ -780,7 +781,7 @@
           <a:p>
             <a:fld id="{F5129A45-5DBA-C54E-9726-F79A501E80FC}" type="datetimeFigureOut">
               <a:rPr lang="en-US" smtClean="0"/>
-              <a:t>10/28/16</a:t>
+              <a:t>11/1/16</a:t>
             </a:fld>
             <a:endParaRPr lang="en-US"/>
           </a:p>
@@ -1026,7 +1027,7 @@
           <a:p>
             <a:fld id="{F5129A45-5DBA-C54E-9726-F79A501E80FC}" type="datetimeFigureOut">
               <a:rPr lang="en-US" smtClean="0"/>
-              <a:t>10/28/16</a:t>
+              <a:t>11/1/16</a:t>
             </a:fld>
             <a:endParaRPr lang="en-US"/>
           </a:p>
@@ -1258,7 +1259,7 @@
           <a:p>
             <a:fld id="{F5129A45-5DBA-C54E-9726-F79A501E80FC}" type="datetimeFigureOut">
               <a:rPr lang="en-US" smtClean="0"/>
-              <a:t>10/28/16</a:t>
+              <a:t>11/1/16</a:t>
             </a:fld>
             <a:endParaRPr lang="en-US"/>
           </a:p>
@@ -1625,7 +1626,7 @@
           <a:p>
             <a:fld id="{F5129A45-5DBA-C54E-9726-F79A501E80FC}" type="datetimeFigureOut">
               <a:rPr lang="en-US" smtClean="0"/>
-              <a:t>10/28/16</a:t>
+              <a:t>11/1/16</a:t>
             </a:fld>
             <a:endParaRPr lang="en-US"/>
           </a:p>
@@ -1743,7 +1744,7 @@
           <a:p>
             <a:fld id="{F5129A45-5DBA-C54E-9726-F79A501E80FC}" type="datetimeFigureOut">
               <a:rPr lang="en-US" smtClean="0"/>
-              <a:t>10/28/16</a:t>
+              <a:t>11/1/16</a:t>
             </a:fld>
             <a:endParaRPr lang="en-US"/>
           </a:p>
@@ -1838,7 +1839,7 @@
           <a:p>
             <a:fld id="{F5129A45-5DBA-C54E-9726-F79A501E80FC}" type="datetimeFigureOut">
               <a:rPr lang="en-US" smtClean="0"/>
-              <a:t>10/28/16</a:t>
+              <a:t>11/1/16</a:t>
             </a:fld>
             <a:endParaRPr lang="en-US"/>
           </a:p>
@@ -2115,7 +2116,7 @@
           <a:p>
             <a:fld id="{F5129A45-5DBA-C54E-9726-F79A501E80FC}" type="datetimeFigureOut">
               <a:rPr lang="en-US" smtClean="0"/>
-              <a:t>10/28/16</a:t>
+              <a:t>11/1/16</a:t>
             </a:fld>
             <a:endParaRPr lang="en-US"/>
           </a:p>
@@ -2368,7 +2369,7 @@
           <a:p>
             <a:fld id="{F5129A45-5DBA-C54E-9726-F79A501E80FC}" type="datetimeFigureOut">
               <a:rPr lang="en-US" smtClean="0"/>
-              <a:t>10/28/16</a:t>
+              <a:t>11/1/16</a:t>
             </a:fld>
             <a:endParaRPr lang="en-US"/>
           </a:p>
@@ -2581,7 +2582,7 @@
           <a:p>
             <a:fld id="{F5129A45-5DBA-C54E-9726-F79A501E80FC}" type="datetimeFigureOut">
               <a:rPr lang="en-US" smtClean="0"/>
-              <a:t>10/28/16</a:t>
+              <a:t>11/1/16</a:t>
             </a:fld>
             <a:endParaRPr lang="en-US"/>
           </a:p>
@@ -10571,6 +10572,655 @@
 </p:sld>
 </file>
 
+<file path=ppt/slides/slide19.xml><?xml version="1.0" encoding="utf-8"?>
+<p:sld xmlns:a="http://schemas.openxmlformats.org/drawingml/2006/main" xmlns:r="http://schemas.openxmlformats.org/officeDocument/2006/relationships" xmlns:p="http://schemas.openxmlformats.org/presentationml/2006/main">
+  <p:cSld>
+    <p:spTree>
+      <p:nvGrpSpPr>
+        <p:cNvPr id="1" name=""/>
+        <p:cNvGrpSpPr/>
+        <p:nvPr/>
+      </p:nvGrpSpPr>
+      <p:grpSpPr>
+        <a:xfrm>
+          <a:off x="0" y="0"/>
+          <a:ext cx="0" cy="0"/>
+          <a:chOff x="0" y="0"/>
+          <a:chExt cx="0" cy="0"/>
+        </a:xfrm>
+      </p:grpSpPr>
+      <p:graphicFrame>
+        <p:nvGraphicFramePr>
+          <p:cNvPr id="4" name="Table 3"/>
+          <p:cNvGraphicFramePr>
+            <a:graphicFrameLocks noGrp="1"/>
+          </p:cNvGraphicFramePr>
+          <p:nvPr>
+            <p:extLst>
+              <p:ext uri="{D42A27DB-BD31-4B8C-83A1-F6EECF244321}">
+                <p14:modId xmlns:p14="http://schemas.microsoft.com/office/powerpoint/2010/main" val="693482650"/>
+              </p:ext>
+            </p:extLst>
+          </p:nvPr>
+        </p:nvGraphicFramePr>
+        <p:xfrm>
+          <a:off x="2227209" y="1570708"/>
+          <a:ext cx="7200000" cy="2880001"/>
+        </p:xfrm>
+        <a:graphic>
+          <a:graphicData uri="http://schemas.openxmlformats.org/drawingml/2006/table">
+            <a:tbl>
+              <a:tblPr firstRow="1" bandRow="1">
+                <a:tableStyleId>{5C22544A-7EE6-4342-B048-85BDC9FD1C3A}</a:tableStyleId>
+              </a:tblPr>
+              <a:tblGrid>
+                <a:gridCol w="1800000"/>
+                <a:gridCol w="1800000"/>
+                <a:gridCol w="1800000"/>
+                <a:gridCol w="1800000"/>
+              </a:tblGrid>
+              <a:tr h="868133">
+                <a:tc>
+                  <a:txBody>
+                    <a:bodyPr/>
+                    <a:lstStyle/>
+                    <a:p>
+                      <a:pPr algn="ctr"/>
+                      <a:endParaRPr lang="en-US" sz="1800" dirty="0">
+                        <a:latin typeface="Georgia" charset="0"/>
+                        <a:ea typeface="Georgia" charset="0"/>
+                        <a:cs typeface="Georgia" charset="0"/>
+                      </a:endParaRPr>
+                    </a:p>
+                  </a:txBody>
+                  <a:tcPr anchor="ctr"/>
+                </a:tc>
+                <a:tc>
+                  <a:txBody>
+                    <a:bodyPr/>
+                    <a:lstStyle/>
+                    <a:p>
+                      <a:pPr algn="ctr"/>
+                      <a:r>
+                        <a:rPr lang="en-US" sz="1800" b="0" dirty="0" smtClean="0">
+                          <a:latin typeface="Georgia" charset="0"/>
+                          <a:ea typeface="Georgia" charset="0"/>
+                          <a:cs typeface="Georgia" charset="0"/>
+                        </a:rPr>
+                        <a:t>Column</a:t>
+                      </a:r>
+                      <a:r>
+                        <a:rPr lang="en-US" sz="1800" b="0" baseline="0" dirty="0" smtClean="0">
+                          <a:latin typeface="Georgia" charset="0"/>
+                          <a:ea typeface="Georgia" charset="0"/>
+                          <a:cs typeface="Georgia" charset="0"/>
+                        </a:rPr>
+                        <a:t> family: </a:t>
+                      </a:r>
+                      <a:r>
+                        <a:rPr lang="en-US" sz="1800" b="1" baseline="0" dirty="0" smtClean="0">
+                          <a:latin typeface="Georgia" charset="0"/>
+                          <a:ea typeface="Georgia" charset="0"/>
+                          <a:cs typeface="Georgia" charset="0"/>
+                        </a:rPr>
+                        <a:t>contents</a:t>
+                      </a:r>
+                      <a:endParaRPr lang="en-US" sz="1800" b="1" dirty="0">
+                        <a:latin typeface="Georgia" charset="0"/>
+                        <a:ea typeface="Georgia" charset="0"/>
+                        <a:cs typeface="Georgia" charset="0"/>
+                      </a:endParaRPr>
+                    </a:p>
+                  </a:txBody>
+                  <a:tcPr anchor="ctr"/>
+                </a:tc>
+                <a:tc gridSpan="2">
+                  <a:txBody>
+                    <a:bodyPr/>
+                    <a:lstStyle/>
+                    <a:p>
+                      <a:pPr algn="ctr"/>
+                      <a:r>
+                        <a:rPr lang="en-US" sz="1800" b="0" dirty="0" smtClean="0">
+                          <a:latin typeface="Georgia" charset="0"/>
+                          <a:ea typeface="Georgia" charset="0"/>
+                          <a:cs typeface="Georgia" charset="0"/>
+                        </a:rPr>
+                        <a:t>Column family: </a:t>
+                      </a:r>
+                      <a:r>
+                        <a:rPr lang="en-US" sz="1800" b="1" dirty="0" smtClean="0">
+                          <a:latin typeface="Georgia" charset="0"/>
+                          <a:ea typeface="Georgia" charset="0"/>
+                          <a:cs typeface="Georgia" charset="0"/>
+                        </a:rPr>
+                        <a:t>info</a:t>
+                      </a:r>
+                    </a:p>
+                    <a:p>
+                      <a:pPr algn="ctr"/>
+                      <a:r>
+                        <a:rPr lang="en-US" sz="1800" b="0" dirty="0" err="1" smtClean="0">
+                          <a:latin typeface="Georgia" charset="0"/>
+                          <a:ea typeface="Georgia" charset="0"/>
+                          <a:cs typeface="Georgia" charset="0"/>
+                        </a:rPr>
+                        <a:t>info:</a:t>
+                      </a:r>
+                      <a:r>
+                        <a:rPr lang="en-US" sz="1800" dirty="0" err="1" smtClean="0">
+                          <a:latin typeface="Georgia" charset="0"/>
+                          <a:ea typeface="Georgia" charset="0"/>
+                          <a:cs typeface="Georgia" charset="0"/>
+                        </a:rPr>
+                        <a:t>format</a:t>
+                      </a:r>
+                      <a:r>
+                        <a:rPr lang="en-US" sz="1800" baseline="0" dirty="0" smtClean="0">
+                          <a:latin typeface="Georgia" charset="0"/>
+                          <a:ea typeface="Georgia" charset="0"/>
+                          <a:cs typeface="Georgia" charset="0"/>
+                        </a:rPr>
+                        <a:t>                    </a:t>
+                      </a:r>
+                      <a:r>
+                        <a:rPr lang="en-US" sz="1800" b="0" dirty="0" err="1" smtClean="0">
+                          <a:latin typeface="Georgia" charset="0"/>
+                          <a:ea typeface="Georgia" charset="0"/>
+                          <a:cs typeface="Georgia" charset="0"/>
+                        </a:rPr>
+                        <a:t>info:</a:t>
+                      </a:r>
+                      <a:r>
+                        <a:rPr lang="en-US" sz="1800" dirty="0" err="1" smtClean="0">
+                          <a:latin typeface="Georgia" charset="0"/>
+                          <a:ea typeface="Georgia" charset="0"/>
+                          <a:cs typeface="Georgia" charset="0"/>
+                        </a:rPr>
+                        <a:t>geo</a:t>
+                      </a:r>
+                      <a:endParaRPr lang="en-US" sz="1800" dirty="0">
+                        <a:latin typeface="Georgia" charset="0"/>
+                        <a:ea typeface="Georgia" charset="0"/>
+                        <a:cs typeface="Georgia" charset="0"/>
+                      </a:endParaRPr>
+                    </a:p>
+                  </a:txBody>
+                  <a:tcPr anchor="ctr"/>
+                </a:tc>
+                <a:tc hMerge="1">
+                  <a:txBody>
+                    <a:bodyPr/>
+                    <a:lstStyle/>
+                    <a:p>
+                      <a:pPr algn="ctr"/>
+                      <a:endParaRPr lang="en-US" sz="1800" dirty="0">
+                        <a:latin typeface="Georgia" charset="0"/>
+                        <a:ea typeface="Georgia" charset="0"/>
+                        <a:cs typeface="Georgia" charset="0"/>
+                      </a:endParaRPr>
+                    </a:p>
+                  </a:txBody>
+                  <a:tcPr anchor="ctr"/>
+                </a:tc>
+              </a:tr>
+              <a:tr h="502967">
+                <a:tc>
+                  <a:txBody>
+                    <a:bodyPr/>
+                    <a:lstStyle/>
+                    <a:p>
+                      <a:r>
+                        <a:rPr lang="en-US" sz="1800" dirty="0" smtClean="0">
+                          <a:latin typeface="Georgia" charset="0"/>
+                          <a:ea typeface="Georgia" charset="0"/>
+                          <a:cs typeface="Georgia" charset="0"/>
+                        </a:rPr>
+                        <a:t>00001</a:t>
+                      </a:r>
+                      <a:endParaRPr lang="en-US" sz="1800" dirty="0">
+                        <a:latin typeface="Georgia" charset="0"/>
+                        <a:ea typeface="Georgia" charset="0"/>
+                        <a:cs typeface="Georgia" charset="0"/>
+                      </a:endParaRPr>
+                    </a:p>
+                  </a:txBody>
+                  <a:tcPr anchor="ctr"/>
+                </a:tc>
+                <a:tc>
+                  <a:txBody>
+                    <a:bodyPr/>
+                    <a:lstStyle/>
+                    <a:p>
+                      <a:endParaRPr lang="en-US" sz="1800" dirty="0">
+                        <a:latin typeface="Georgia" charset="0"/>
+                        <a:ea typeface="Georgia" charset="0"/>
+                        <a:cs typeface="Georgia" charset="0"/>
+                      </a:endParaRPr>
+                    </a:p>
+                  </a:txBody>
+                  <a:tcPr anchor="ctr"/>
+                </a:tc>
+                <a:tc>
+                  <a:txBody>
+                    <a:bodyPr/>
+                    <a:lstStyle/>
+                    <a:p>
+                      <a:r>
+                        <a:rPr lang="en-US" sz="1800" dirty="0" smtClean="0">
+                          <a:latin typeface="Georgia" charset="0"/>
+                          <a:ea typeface="Georgia" charset="0"/>
+                          <a:cs typeface="Georgia" charset="0"/>
+                        </a:rPr>
+                        <a:t>jpeg</a:t>
+                      </a:r>
+                      <a:endParaRPr lang="en-US" sz="1800" dirty="0">
+                        <a:latin typeface="Georgia" charset="0"/>
+                        <a:ea typeface="Georgia" charset="0"/>
+                        <a:cs typeface="Georgia" charset="0"/>
+                      </a:endParaRPr>
+                    </a:p>
+                  </a:txBody>
+                  <a:tcPr anchor="ctr"/>
+                </a:tc>
+                <a:tc>
+                  <a:txBody>
+                    <a:bodyPr/>
+                    <a:lstStyle/>
+                    <a:p>
+                      <a:r>
+                        <a:rPr lang="en-US" sz="1800" dirty="0" smtClean="0">
+                          <a:latin typeface="Georgia" charset="0"/>
+                          <a:ea typeface="Georgia" charset="0"/>
+                          <a:cs typeface="Georgia" charset="0"/>
+                        </a:rPr>
+                        <a:t>51.5, -0.1</a:t>
+                      </a:r>
+                      <a:endParaRPr lang="en-US" sz="1800" dirty="0">
+                        <a:latin typeface="Georgia" charset="0"/>
+                        <a:ea typeface="Georgia" charset="0"/>
+                        <a:cs typeface="Georgia" charset="0"/>
+                      </a:endParaRPr>
+                    </a:p>
+                  </a:txBody>
+                  <a:tcPr anchor="ctr"/>
+                </a:tc>
+              </a:tr>
+              <a:tr h="502967">
+                <a:tc>
+                  <a:txBody>
+                    <a:bodyPr/>
+                    <a:lstStyle/>
+                    <a:p>
+                      <a:r>
+                        <a:rPr lang="en-US" sz="1800" dirty="0" smtClean="0">
+                          <a:latin typeface="Georgia" charset="0"/>
+                          <a:ea typeface="Georgia" charset="0"/>
+                          <a:cs typeface="Georgia" charset="0"/>
+                        </a:rPr>
+                        <a:t>00002</a:t>
+                      </a:r>
+                      <a:endParaRPr lang="en-US" sz="1800" dirty="0">
+                        <a:latin typeface="Georgia" charset="0"/>
+                        <a:ea typeface="Georgia" charset="0"/>
+                        <a:cs typeface="Georgia" charset="0"/>
+                      </a:endParaRPr>
+                    </a:p>
+                  </a:txBody>
+                  <a:tcPr anchor="ctr"/>
+                </a:tc>
+                <a:tc>
+                  <a:txBody>
+                    <a:bodyPr/>
+                    <a:lstStyle/>
+                    <a:p>
+                      <a:endParaRPr lang="en-US" sz="1800" dirty="0">
+                        <a:latin typeface="Georgia" charset="0"/>
+                        <a:ea typeface="Georgia" charset="0"/>
+                        <a:cs typeface="Georgia" charset="0"/>
+                      </a:endParaRPr>
+                    </a:p>
+                  </a:txBody>
+                  <a:tcPr anchor="ctr"/>
+                </a:tc>
+                <a:tc>
+                  <a:txBody>
+                    <a:bodyPr/>
+                    <a:lstStyle/>
+                    <a:p>
+                      <a:r>
+                        <a:rPr lang="en-US" sz="1800" dirty="0" smtClean="0">
+                          <a:latin typeface="Georgia" charset="0"/>
+                          <a:ea typeface="Georgia" charset="0"/>
+                          <a:cs typeface="Georgia" charset="0"/>
+                        </a:rPr>
+                        <a:t>tiff</a:t>
+                      </a:r>
+                      <a:endParaRPr lang="en-US" sz="1800" dirty="0">
+                        <a:latin typeface="Georgia" charset="0"/>
+                        <a:ea typeface="Georgia" charset="0"/>
+                        <a:cs typeface="Georgia" charset="0"/>
+                      </a:endParaRPr>
+                    </a:p>
+                  </a:txBody>
+                  <a:tcPr anchor="ctr"/>
+                </a:tc>
+                <a:tc>
+                  <a:txBody>
+                    <a:bodyPr/>
+                    <a:lstStyle/>
+                    <a:p>
+                      <a:endParaRPr lang="en-US" sz="1800" dirty="0">
+                        <a:latin typeface="Georgia" charset="0"/>
+                        <a:ea typeface="Georgia" charset="0"/>
+                        <a:cs typeface="Georgia" charset="0"/>
+                      </a:endParaRPr>
+                    </a:p>
+                  </a:txBody>
+                  <a:tcPr anchor="ctr"/>
+                </a:tc>
+              </a:tr>
+              <a:tr h="502967">
+                <a:tc>
+                  <a:txBody>
+                    <a:bodyPr/>
+                    <a:lstStyle/>
+                    <a:p>
+                      <a:r>
+                        <a:rPr lang="en-US" sz="1800" dirty="0" smtClean="0">
+                          <a:latin typeface="Georgia" charset="0"/>
+                          <a:ea typeface="Georgia" charset="0"/>
+                          <a:cs typeface="Georgia" charset="0"/>
+                        </a:rPr>
+                        <a:t>00003</a:t>
+                      </a:r>
+                      <a:endParaRPr lang="en-US" sz="1800" dirty="0">
+                        <a:latin typeface="Georgia" charset="0"/>
+                        <a:ea typeface="Georgia" charset="0"/>
+                        <a:cs typeface="Georgia" charset="0"/>
+                      </a:endParaRPr>
+                    </a:p>
+                  </a:txBody>
+                  <a:tcPr anchor="ctr"/>
+                </a:tc>
+                <a:tc>
+                  <a:txBody>
+                    <a:bodyPr/>
+                    <a:lstStyle/>
+                    <a:p>
+                      <a:endParaRPr lang="en-US" sz="1800" dirty="0">
+                        <a:latin typeface="Georgia" charset="0"/>
+                        <a:ea typeface="Georgia" charset="0"/>
+                        <a:cs typeface="Georgia" charset="0"/>
+                      </a:endParaRPr>
+                    </a:p>
+                  </a:txBody>
+                  <a:tcPr anchor="ctr"/>
+                </a:tc>
+                <a:tc>
+                  <a:txBody>
+                    <a:bodyPr/>
+                    <a:lstStyle/>
+                    <a:p>
+                      <a:r>
+                        <a:rPr lang="en-US" sz="1800" dirty="0" smtClean="0">
+                          <a:latin typeface="Georgia" charset="0"/>
+                          <a:ea typeface="Georgia" charset="0"/>
+                          <a:cs typeface="Georgia" charset="0"/>
+                        </a:rPr>
+                        <a:t>jpeg</a:t>
+                      </a:r>
+                      <a:endParaRPr lang="en-US" sz="1800" dirty="0">
+                        <a:latin typeface="Georgia" charset="0"/>
+                        <a:ea typeface="Georgia" charset="0"/>
+                        <a:cs typeface="Georgia" charset="0"/>
+                      </a:endParaRPr>
+                    </a:p>
+                  </a:txBody>
+                  <a:tcPr anchor="ctr"/>
+                </a:tc>
+                <a:tc>
+                  <a:txBody>
+                    <a:bodyPr/>
+                    <a:lstStyle/>
+                    <a:p>
+                      <a:r>
+                        <a:rPr lang="en-US" sz="1800" dirty="0" smtClean="0">
+                          <a:latin typeface="Georgia" charset="0"/>
+                          <a:ea typeface="Georgia" charset="0"/>
+                          <a:cs typeface="Georgia" charset="0"/>
+                        </a:rPr>
+                        <a:t>51.8, -3.1</a:t>
+                      </a:r>
+                      <a:endParaRPr lang="en-US" sz="1800" dirty="0">
+                        <a:latin typeface="Georgia" charset="0"/>
+                        <a:ea typeface="Georgia" charset="0"/>
+                        <a:cs typeface="Georgia" charset="0"/>
+                      </a:endParaRPr>
+                    </a:p>
+                  </a:txBody>
+                  <a:tcPr anchor="ctr"/>
+                </a:tc>
+              </a:tr>
+              <a:tr h="502967">
+                <a:tc>
+                  <a:txBody>
+                    <a:bodyPr/>
+                    <a:lstStyle/>
+                    <a:p>
+                      <a:r>
+                        <a:rPr lang="en-US" sz="1800" dirty="0" smtClean="0">
+                          <a:latin typeface="Georgia" charset="0"/>
+                          <a:ea typeface="Georgia" charset="0"/>
+                          <a:cs typeface="Georgia" charset="0"/>
+                        </a:rPr>
+                        <a:t>00004</a:t>
+                      </a:r>
+                      <a:endParaRPr lang="en-US" sz="1800" dirty="0">
+                        <a:latin typeface="Georgia" charset="0"/>
+                        <a:ea typeface="Georgia" charset="0"/>
+                        <a:cs typeface="Georgia" charset="0"/>
+                      </a:endParaRPr>
+                    </a:p>
+                  </a:txBody>
+                  <a:tcPr anchor="ctr"/>
+                </a:tc>
+                <a:tc>
+                  <a:txBody>
+                    <a:bodyPr/>
+                    <a:lstStyle/>
+                    <a:p>
+                      <a:endParaRPr lang="en-US" sz="1800" dirty="0">
+                        <a:latin typeface="Georgia" charset="0"/>
+                        <a:ea typeface="Georgia" charset="0"/>
+                        <a:cs typeface="Georgia" charset="0"/>
+                      </a:endParaRPr>
+                    </a:p>
+                  </a:txBody>
+                  <a:tcPr anchor="ctr"/>
+                </a:tc>
+                <a:tc>
+                  <a:txBody>
+                    <a:bodyPr/>
+                    <a:lstStyle/>
+                    <a:p>
+                      <a:r>
+                        <a:rPr lang="en-US" sz="1800" dirty="0" smtClean="0">
+                          <a:latin typeface="Georgia" charset="0"/>
+                          <a:ea typeface="Georgia" charset="0"/>
+                          <a:cs typeface="Georgia" charset="0"/>
+                        </a:rPr>
+                        <a:t>jpeg</a:t>
+                      </a:r>
+                      <a:endParaRPr lang="en-US" sz="1800" dirty="0">
+                        <a:latin typeface="Georgia" charset="0"/>
+                        <a:ea typeface="Georgia" charset="0"/>
+                        <a:cs typeface="Georgia" charset="0"/>
+                      </a:endParaRPr>
+                    </a:p>
+                  </a:txBody>
+                  <a:tcPr anchor="ctr"/>
+                </a:tc>
+                <a:tc>
+                  <a:txBody>
+                    <a:bodyPr/>
+                    <a:lstStyle/>
+                    <a:p>
+                      <a:r>
+                        <a:rPr lang="en-US" sz="1800" dirty="0" smtClean="0">
+                          <a:latin typeface="Georgia" charset="0"/>
+                          <a:ea typeface="Georgia" charset="0"/>
+                          <a:cs typeface="Georgia" charset="0"/>
+                        </a:rPr>
+                        <a:t>52.1, -3.4</a:t>
+                      </a:r>
+                      <a:endParaRPr lang="en-US" sz="1800" dirty="0">
+                        <a:latin typeface="Georgia" charset="0"/>
+                        <a:ea typeface="Georgia" charset="0"/>
+                        <a:cs typeface="Georgia" charset="0"/>
+                      </a:endParaRPr>
+                    </a:p>
+                  </a:txBody>
+                  <a:tcPr anchor="ctr"/>
+                </a:tc>
+              </a:tr>
+            </a:tbl>
+          </a:graphicData>
+        </a:graphic>
+      </p:graphicFrame>
+      <p:pic>
+        <p:nvPicPr>
+          <p:cNvPr id="6" name="Picture 5"/>
+          <p:cNvPicPr>
+            <a:picLocks noChangeAspect="1"/>
+          </p:cNvPicPr>
+          <p:nvPr/>
+        </p:nvPicPr>
+        <p:blipFill>
+          <a:blip r:embed="rId2">
+            <a:extLst>
+              <a:ext uri="{28A0092B-C50C-407E-A947-70E740481C1C}">
+                <a14:useLocalDpi xmlns:a14="http://schemas.microsoft.com/office/drawing/2010/main" val="0"/>
+              </a:ext>
+            </a:extLst>
+          </a:blip>
+          <a:stretch>
+            <a:fillRect/>
+          </a:stretch>
+        </p:blipFill>
+        <p:spPr>
+          <a:xfrm>
+            <a:off x="4780683" y="2516122"/>
+            <a:ext cx="360000" cy="360000"/>
+          </a:xfrm>
+          <a:prstGeom prst="rect">
+            <a:avLst/>
+          </a:prstGeom>
+        </p:spPr>
+      </p:pic>
+      <p:pic>
+        <p:nvPicPr>
+          <p:cNvPr id="7" name="Picture 6"/>
+          <p:cNvPicPr>
+            <a:picLocks noChangeAspect="1"/>
+          </p:cNvPicPr>
+          <p:nvPr/>
+        </p:nvPicPr>
+        <p:blipFill>
+          <a:blip r:embed="rId2">
+            <a:extLst>
+              <a:ext uri="{28A0092B-C50C-407E-A947-70E740481C1C}">
+                <a14:useLocalDpi xmlns:a14="http://schemas.microsoft.com/office/drawing/2010/main" val="0"/>
+              </a:ext>
+            </a:extLst>
+          </a:blip>
+          <a:stretch>
+            <a:fillRect/>
+          </a:stretch>
+        </p:blipFill>
+        <p:spPr>
+          <a:xfrm>
+            <a:off x="4780683" y="3014355"/>
+            <a:ext cx="360000" cy="360000"/>
+          </a:xfrm>
+          <a:prstGeom prst="rect">
+            <a:avLst/>
+          </a:prstGeom>
+        </p:spPr>
+      </p:pic>
+      <p:pic>
+        <p:nvPicPr>
+          <p:cNvPr id="8" name="Picture 7"/>
+          <p:cNvPicPr>
+            <a:picLocks noChangeAspect="1"/>
+          </p:cNvPicPr>
+          <p:nvPr/>
+        </p:nvPicPr>
+        <p:blipFill>
+          <a:blip r:embed="rId2">
+            <a:extLst>
+              <a:ext uri="{28A0092B-C50C-407E-A947-70E740481C1C}">
+                <a14:useLocalDpi xmlns:a14="http://schemas.microsoft.com/office/drawing/2010/main" val="0"/>
+              </a:ext>
+            </a:extLst>
+          </a:blip>
+          <a:stretch>
+            <a:fillRect/>
+          </a:stretch>
+        </p:blipFill>
+        <p:spPr>
+          <a:xfrm>
+            <a:off x="4780683" y="3512588"/>
+            <a:ext cx="360000" cy="360000"/>
+          </a:xfrm>
+          <a:prstGeom prst="rect">
+            <a:avLst/>
+          </a:prstGeom>
+        </p:spPr>
+      </p:pic>
+      <p:pic>
+        <p:nvPicPr>
+          <p:cNvPr id="9" name="Picture 8"/>
+          <p:cNvPicPr>
+            <a:picLocks noChangeAspect="1"/>
+          </p:cNvPicPr>
+          <p:nvPr/>
+        </p:nvPicPr>
+        <p:blipFill>
+          <a:blip r:embed="rId2">
+            <a:extLst>
+              <a:ext uri="{28A0092B-C50C-407E-A947-70E740481C1C}">
+                <a14:useLocalDpi xmlns:a14="http://schemas.microsoft.com/office/drawing/2010/main" val="0"/>
+              </a:ext>
+            </a:extLst>
+          </a:blip>
+          <a:stretch>
+            <a:fillRect/>
+          </a:stretch>
+        </p:blipFill>
+        <p:spPr>
+          <a:xfrm>
+            <a:off x="4780683" y="4010822"/>
+            <a:ext cx="360000" cy="360000"/>
+          </a:xfrm>
+          <a:prstGeom prst="rect">
+            <a:avLst/>
+          </a:prstGeom>
+        </p:spPr>
+      </p:pic>
+    </p:spTree>
+    <p:extLst>
+      <p:ext uri="{BB962C8B-B14F-4D97-AF65-F5344CB8AC3E}">
+        <p14:creationId xmlns:p14="http://schemas.microsoft.com/office/powerpoint/2010/main" val="36094140"/>
+      </p:ext>
+    </p:extLst>
+  </p:cSld>
+  <p:clrMapOvr>
+    <a:masterClrMapping/>
+  </p:clrMapOvr>
+</p:sld>
+</file>
+
 <file path=ppt/slides/slide2.xml><?xml version="1.0" encoding="utf-8"?>
 <p:sld xmlns:a="http://schemas.openxmlformats.org/drawingml/2006/main" xmlns:r="http://schemas.openxmlformats.org/officeDocument/2006/relationships" xmlns:p="http://schemas.openxmlformats.org/presentationml/2006/main">
   <p:cSld>
